--- a/training/Building Queries.pptx
+++ b/training/Building Queries.pptx
@@ -6,7 +6,7 @@
     <p:sldMasterId id="2147483673" r:id="rId2"/>
   </p:sldMasterIdLst>
   <p:notesMasterIdLst>
-    <p:notesMasterId r:id="rId21"/>
+    <p:notesMasterId r:id="rId27"/>
   </p:notesMasterIdLst>
   <p:sldIdLst>
     <p:sldId id="257" r:id="rId3"/>
@@ -23,10 +23,16 @@
     <p:sldId id="268" r:id="rId14"/>
     <p:sldId id="269" r:id="rId15"/>
     <p:sldId id="270" r:id="rId16"/>
-    <p:sldId id="271" r:id="rId17"/>
-    <p:sldId id="272" r:id="rId18"/>
-    <p:sldId id="273" r:id="rId19"/>
-    <p:sldId id="274" r:id="rId20"/>
+    <p:sldId id="275" r:id="rId17"/>
+    <p:sldId id="276" r:id="rId18"/>
+    <p:sldId id="277" r:id="rId19"/>
+    <p:sldId id="272" r:id="rId20"/>
+    <p:sldId id="280" r:id="rId21"/>
+    <p:sldId id="281" r:id="rId22"/>
+    <p:sldId id="282" r:id="rId23"/>
+    <p:sldId id="283" r:id="rId24"/>
+    <p:sldId id="284" r:id="rId25"/>
+    <p:sldId id="285" r:id="rId26"/>
   </p:sldIdLst>
   <p:sldSz cx="12192000" cy="6858000"/>
   <p:notesSz cx="6858000" cy="9144000"/>
@@ -125,6 +131,11 @@
       </a:defRPr>
     </a:lvl9pPr>
   </p:defaultTextStyle>
+  <p:extLst>
+    <p:ext uri="{EFAFB233-063F-42B5-8137-9DF3F51BA10A}">
+      <p15:sldGuideLst xmlns:p15="http://schemas.microsoft.com/office/powerpoint/2012/main"/>
+    </p:ext>
+  </p:extLst>
 </p:presentation>
 </file>
 
@@ -856,7 +867,201 @@
     </p:spTree>
     <p:extLst>
       <p:ext uri="{BB962C8B-B14F-4D97-AF65-F5344CB8AC3E}">
-        <p14:creationId xmlns:p14="http://schemas.microsoft.com/office/powerpoint/2010/main" val="3146414276"/>
+        <p14:creationId xmlns:p14="http://schemas.microsoft.com/office/powerpoint/2010/main" val="842137618"/>
+      </p:ext>
+    </p:extLst>
+  </p:cSld>
+  <p:clrMapOvr>
+    <a:masterClrMapping/>
+  </p:clrMapOvr>
+</p:notes>
+</file>
+
+<file path=ppt/notesSlides/notesSlide13.xml><?xml version="1.0" encoding="utf-8"?>
+<p:notes xmlns:a="http://schemas.openxmlformats.org/drawingml/2006/main" xmlns:r="http://schemas.openxmlformats.org/officeDocument/2006/relationships" xmlns:p="http://schemas.openxmlformats.org/presentationml/2006/main">
+  <p:cSld>
+    <p:spTree>
+      <p:nvGrpSpPr>
+        <p:cNvPr id="1" name=""/>
+        <p:cNvGrpSpPr/>
+        <p:nvPr/>
+      </p:nvGrpSpPr>
+      <p:grpSpPr>
+        <a:xfrm>
+          <a:off x="0" y="0"/>
+          <a:ext cx="0" cy="0"/>
+          <a:chOff x="0" y="0"/>
+          <a:chExt cx="0" cy="0"/>
+        </a:xfrm>
+      </p:grpSpPr>
+      <p:sp>
+        <p:nvSpPr>
+          <p:cNvPr id="2" name="Slide Image Placeholder 1"/>
+          <p:cNvSpPr>
+            <a:spLocks noGrp="1" noRot="1" noChangeAspect="1"/>
+          </p:cNvSpPr>
+          <p:nvPr>
+            <p:ph type="sldImg"/>
+          </p:nvPr>
+        </p:nvSpPr>
+        <p:spPr/>
+      </p:sp>
+      <p:sp>
+        <p:nvSpPr>
+          <p:cNvPr id="3" name="Notes Placeholder 2"/>
+          <p:cNvSpPr>
+            <a:spLocks noGrp="1"/>
+          </p:cNvSpPr>
+          <p:nvPr>
+            <p:ph type="body" idx="1"/>
+          </p:nvPr>
+        </p:nvSpPr>
+        <p:spPr/>
+        <p:txBody>
+          <a:bodyPr/>
+          <a:lstStyle/>
+          <a:p>
+            <a:r>
+              <a:rPr lang="en-US" dirty="0" smtClean="0"/>
+              <a:t>1. </a:t>
+            </a:r>
+            <a:endParaRPr lang="en-US" dirty="0"/>
+          </a:p>
+        </p:txBody>
+      </p:sp>
+      <p:sp>
+        <p:nvSpPr>
+          <p:cNvPr id="4" name="Slide Number Placeholder 3"/>
+          <p:cNvSpPr>
+            <a:spLocks noGrp="1"/>
+          </p:cNvSpPr>
+          <p:nvPr>
+            <p:ph type="sldNum" sz="quarter" idx="10"/>
+          </p:nvPr>
+        </p:nvSpPr>
+        <p:spPr/>
+        <p:txBody>
+          <a:bodyPr/>
+          <a:lstStyle/>
+          <a:p>
+            <a:fld id="{83AD0C6C-0610-4D10-9E74-069D2C23B794}" type="slidenum">
+              <a:rPr lang="en-US" smtClean="0">
+                <a:solidFill>
+                  <a:prstClr val="black"/>
+                </a:solidFill>
+              </a:rPr>
+              <a:pPr/>
+              <a:t>16</a:t>
+            </a:fld>
+            <a:endParaRPr lang="en-US">
+              <a:solidFill>
+                <a:prstClr val="black"/>
+              </a:solidFill>
+            </a:endParaRPr>
+          </a:p>
+        </p:txBody>
+      </p:sp>
+    </p:spTree>
+    <p:extLst>
+      <p:ext uri="{BB962C8B-B14F-4D97-AF65-F5344CB8AC3E}">
+        <p14:creationId xmlns:p14="http://schemas.microsoft.com/office/powerpoint/2010/main" val="1872189672"/>
+      </p:ext>
+    </p:extLst>
+  </p:cSld>
+  <p:clrMapOvr>
+    <a:masterClrMapping/>
+  </p:clrMapOvr>
+</p:notes>
+</file>
+
+<file path=ppt/notesSlides/notesSlide14.xml><?xml version="1.0" encoding="utf-8"?>
+<p:notes xmlns:a="http://schemas.openxmlformats.org/drawingml/2006/main" xmlns:r="http://schemas.openxmlformats.org/officeDocument/2006/relationships" xmlns:p="http://schemas.openxmlformats.org/presentationml/2006/main">
+  <p:cSld>
+    <p:spTree>
+      <p:nvGrpSpPr>
+        <p:cNvPr id="1" name=""/>
+        <p:cNvGrpSpPr/>
+        <p:nvPr/>
+      </p:nvGrpSpPr>
+      <p:grpSpPr>
+        <a:xfrm>
+          <a:off x="0" y="0"/>
+          <a:ext cx="0" cy="0"/>
+          <a:chOff x="0" y="0"/>
+          <a:chExt cx="0" cy="0"/>
+        </a:xfrm>
+      </p:grpSpPr>
+      <p:sp>
+        <p:nvSpPr>
+          <p:cNvPr id="2" name="Slide Image Placeholder 1"/>
+          <p:cNvSpPr>
+            <a:spLocks noGrp="1" noRot="1" noChangeAspect="1"/>
+          </p:cNvSpPr>
+          <p:nvPr>
+            <p:ph type="sldImg"/>
+          </p:nvPr>
+        </p:nvSpPr>
+        <p:spPr/>
+      </p:sp>
+      <p:sp>
+        <p:nvSpPr>
+          <p:cNvPr id="3" name="Notes Placeholder 2"/>
+          <p:cNvSpPr>
+            <a:spLocks noGrp="1"/>
+          </p:cNvSpPr>
+          <p:nvPr>
+            <p:ph type="body" idx="1"/>
+          </p:nvPr>
+        </p:nvSpPr>
+        <p:spPr/>
+        <p:txBody>
+          <a:bodyPr/>
+          <a:lstStyle/>
+          <a:p>
+            <a:r>
+              <a:rPr lang="en-US" dirty="0" smtClean="0"/>
+              <a:t>1. </a:t>
+            </a:r>
+            <a:endParaRPr lang="en-US" dirty="0"/>
+          </a:p>
+        </p:txBody>
+      </p:sp>
+      <p:sp>
+        <p:nvSpPr>
+          <p:cNvPr id="4" name="Slide Number Placeholder 3"/>
+          <p:cNvSpPr>
+            <a:spLocks noGrp="1"/>
+          </p:cNvSpPr>
+          <p:nvPr>
+            <p:ph type="sldNum" sz="quarter" idx="10"/>
+          </p:nvPr>
+        </p:nvSpPr>
+        <p:spPr/>
+        <p:txBody>
+          <a:bodyPr/>
+          <a:lstStyle/>
+          <a:p>
+            <a:fld id="{83AD0C6C-0610-4D10-9E74-069D2C23B794}" type="slidenum">
+              <a:rPr lang="en-US" smtClean="0">
+                <a:solidFill>
+                  <a:prstClr val="black"/>
+                </a:solidFill>
+              </a:rPr>
+              <a:pPr/>
+              <a:t>17</a:t>
+            </a:fld>
+            <a:endParaRPr lang="en-US">
+              <a:solidFill>
+                <a:prstClr val="black"/>
+              </a:solidFill>
+            </a:endParaRPr>
+          </a:p>
+        </p:txBody>
+      </p:sp>
+    </p:spTree>
+    <p:extLst>
+      <p:ext uri="{BB962C8B-B14F-4D97-AF65-F5344CB8AC3E}">
+        <p14:creationId xmlns:p14="http://schemas.microsoft.com/office/powerpoint/2010/main" val="3190270143"/>
       </p:ext>
     </p:extLst>
   </p:cSld>
@@ -11747,9 +11952,7 @@
         </p:nvSpPr>
         <p:spPr/>
         <p:txBody>
-          <a:bodyPr>
-            <a:normAutofit/>
-          </a:bodyPr>
+          <a:bodyPr/>
           <a:lstStyle/>
           <a:p>
             <a:pPr marL="0" indent="0">
@@ -11757,15 +11960,23 @@
             </a:pPr>
             <a:r>
               <a:rPr lang="en-US" dirty="0" smtClean="0"/>
-              <a:t>Run the same query you ran for the last question, but rename the first row to ‘</a:t>
+              <a:t>Select any four rows from the </a:t>
             </a:r>
             <a:r>
               <a:rPr lang="en-US" dirty="0" err="1" smtClean="0"/>
-              <a:t>first_row</a:t>
+              <a:t>training.illumina_vars</a:t>
             </a:r>
             <a:r>
               <a:rPr lang="en-US" dirty="0" smtClean="0"/>
-              <a:t>’.   </a:t>
+              <a:t> table</a:t>
+            </a:r>
+            <a:r>
+              <a:rPr lang="en-US" dirty="0"/>
+              <a:t> </a:t>
+            </a:r>
+            <a:r>
+              <a:rPr lang="en-US" dirty="0" smtClean="0"/>
+              <a:t>and order by the first row selected. Return only 5 rows.   </a:t>
             </a:r>
           </a:p>
           <a:p>
@@ -11786,28 +11997,14 @@
               <a:t>SELECT </a:t>
             </a:r>
             <a:r>
-              <a:rPr lang="en-US" dirty="0" err="1" smtClean="0">
+              <a:rPr lang="en-US" dirty="0" err="1">
                 <a:latin typeface="Courier New"/>
                 <a:cs typeface="Courier New"/>
               </a:rPr>
               <a:t>chrom</a:t>
             </a:r>
             <a:r>
-              <a:rPr lang="en-US" dirty="0" smtClean="0">
-                <a:latin typeface="Courier New"/>
-                <a:cs typeface="Courier New"/>
-              </a:rPr>
-              <a:t> as </a:t>
-            </a:r>
-            <a:r>
-              <a:rPr lang="en-US" dirty="0" err="1" smtClean="0">
-                <a:latin typeface="Courier New"/>
-                <a:cs typeface="Courier New"/>
-              </a:rPr>
-              <a:t>first_row</a:t>
-            </a:r>
-            <a:r>
-              <a:rPr lang="en-US" dirty="0" smtClean="0">
+              <a:rPr lang="en-US" dirty="0">
                 <a:latin typeface="Courier New"/>
                 <a:cs typeface="Courier New"/>
               </a:rPr>
@@ -11892,7 +12089,7 @@
     </p:spTree>
     <p:extLst>
       <p:ext uri="{BB962C8B-B14F-4D97-AF65-F5344CB8AC3E}">
-        <p14:creationId xmlns:p14="http://schemas.microsoft.com/office/powerpoint/2010/main" val="3424711286"/>
+        <p14:creationId xmlns:p14="http://schemas.microsoft.com/office/powerpoint/2010/main" val="653161857"/>
       </p:ext>
     </p:extLst>
   </p:cSld>
@@ -11928,7 +12125,7 @@
       </p:grpSpPr>
       <p:sp>
         <p:nvSpPr>
-          <p:cNvPr id="4" name="Title 3"/>
+          <p:cNvPr id="2" name="Title 1"/>
           <p:cNvSpPr>
             <a:spLocks noGrp="1"/>
           </p:cNvSpPr>
@@ -11943,7 +12140,7 @@
           <a:p>
             <a:r>
               <a:rPr lang="en-US" dirty="0" smtClean="0"/>
-              <a:t>Practice</a:t>
+              <a:t>Your Turn</a:t>
             </a:r>
             <a:endParaRPr lang="en-US" dirty="0"/>
           </a:p>
@@ -11951,37 +12148,63 @@
       </p:sp>
       <p:sp>
         <p:nvSpPr>
-          <p:cNvPr id="5" name="Text Placeholder 4"/>
-          <p:cNvSpPr>
-            <a:spLocks noGrp="1"/>
-          </p:cNvSpPr>
-          <p:nvPr>
-            <p:ph type="body" idx="1"/>
+          <p:cNvPr id="3" name="Content Placeholder 2"/>
+          <p:cNvSpPr>
+            <a:spLocks noGrp="1"/>
+          </p:cNvSpPr>
+          <p:nvPr>
+            <p:ph idx="1"/>
           </p:nvPr>
         </p:nvSpPr>
         <p:spPr/>
         <p:txBody>
-          <a:bodyPr/>
+          <a:bodyPr>
+            <a:normAutofit/>
+          </a:bodyPr>
           <a:lstStyle/>
           <a:p>
+            <a:pPr marL="0" indent="0">
+              <a:buNone/>
+            </a:pPr>
             <a:r>
               <a:rPr lang="en-US" dirty="0" smtClean="0"/>
-              <a:t>JOINS</a:t>
-            </a:r>
-            <a:endParaRPr lang="en-US" dirty="0"/>
+              <a:t>Select all variants from </a:t>
+            </a:r>
+            <a:r>
+              <a:rPr lang="en-US" dirty="0" err="1" smtClean="0"/>
+              <a:t>training.illumina_vars</a:t>
+            </a:r>
+            <a:r>
+              <a:rPr lang="en-US" dirty="0" smtClean="0"/>
+              <a:t> with a quality score &gt; 1000 and a passing filter. </a:t>
+            </a:r>
+            <a:endParaRPr lang="en-US" dirty="0" smtClean="0"/>
+          </a:p>
+          <a:p>
+            <a:pPr marL="0" indent="0">
+              <a:buNone/>
+            </a:pPr>
+            <a:endParaRPr lang="en-US" dirty="0" smtClean="0"/>
           </a:p>
         </p:txBody>
       </p:sp>
     </p:spTree>
     <p:extLst>
       <p:ext uri="{BB962C8B-B14F-4D97-AF65-F5344CB8AC3E}">
-        <p14:creationId xmlns:p14="http://schemas.microsoft.com/office/powerpoint/2010/main" val="3652329402"/>
+        <p14:creationId xmlns:p14="http://schemas.microsoft.com/office/powerpoint/2010/main" val="4073983621"/>
       </p:ext>
     </p:extLst>
   </p:cSld>
   <p:clrMapOvr>
     <a:masterClrMapping/>
   </p:clrMapOvr>
+  <p:timing>
+    <p:tnLst>
+      <p:par>
+        <p:cTn id="1" dur="indefinite" restart="never" nodeType="tmRoot"/>
+      </p:par>
+    </p:tnLst>
+  </p:timing>
 </p:sld>
 </file>
 
@@ -12019,103 +12242,159 @@
           <a:p>
             <a:r>
               <a:rPr lang="en-US" dirty="0" smtClean="0"/>
-              <a:t>Once global </a:t>
+              <a:t>Your Turn</a:t>
+            </a:r>
+            <a:endParaRPr lang="en-US" dirty="0"/>
+          </a:p>
+        </p:txBody>
+      </p:sp>
+      <p:sp>
+        <p:nvSpPr>
+          <p:cNvPr id="3" name="Content Placeholder 2"/>
+          <p:cNvSpPr>
+            <a:spLocks noGrp="1"/>
+          </p:cNvSpPr>
+          <p:nvPr>
+            <p:ph idx="1"/>
+          </p:nvPr>
+        </p:nvSpPr>
+        <p:spPr/>
+        <p:txBody>
+          <a:bodyPr>
+            <a:normAutofit/>
+          </a:bodyPr>
+          <a:lstStyle/>
+          <a:p>
+            <a:pPr marL="0" indent="0">
+              <a:buNone/>
+            </a:pPr>
+            <a:r>
+              <a:rPr lang="en-US" dirty="0" smtClean="0"/>
+              <a:t>Select all variants from </a:t>
             </a:r>
             <a:r>
               <a:rPr lang="en-US" dirty="0" err="1" smtClean="0"/>
-              <a:t>vars</a:t>
+              <a:t>training.illumina_vars</a:t>
             </a:r>
             <a:r>
               <a:rPr lang="en-US" dirty="0" smtClean="0"/>
-              <a:t> is up: </a:t>
-            </a:r>
-            <a:endParaRPr lang="en-US" dirty="0"/>
-          </a:p>
-        </p:txBody>
-      </p:sp>
-      <p:sp>
-        <p:nvSpPr>
-          <p:cNvPr id="3" name="Content Placeholder 2"/>
-          <p:cNvSpPr>
-            <a:spLocks noGrp="1"/>
-          </p:cNvSpPr>
-          <p:nvPr>
-            <p:ph idx="1"/>
-          </p:nvPr>
-        </p:nvSpPr>
-        <p:spPr/>
-        <p:txBody>
-          <a:bodyPr/>
-          <a:lstStyle/>
-          <a:p>
-            <a:r>
-              <a:rPr lang="en-US" dirty="0" smtClean="0"/>
-              <a:t>Annotate </a:t>
-            </a:r>
-            <a:r>
-              <a:rPr lang="en-US" dirty="0" err="1" smtClean="0"/>
-              <a:t>illumina</a:t>
-            </a:r>
-            <a:r>
-              <a:rPr lang="en-US" dirty="0" smtClean="0"/>
-              <a:t> </a:t>
-            </a:r>
-            <a:r>
-              <a:rPr lang="en-US" dirty="0" err="1" smtClean="0"/>
-              <a:t>vars</a:t>
-            </a:r>
-            <a:r>
-              <a:rPr lang="en-US" dirty="0" smtClean="0"/>
-              <a:t> with gene names</a:t>
-            </a:r>
-          </a:p>
-          <a:p>
-            <a:r>
-              <a:rPr lang="en-US" dirty="0" smtClean="0"/>
-              <a:t>Filter by gene</a:t>
-            </a:r>
-          </a:p>
-          <a:p>
-            <a:r>
-              <a:rPr lang="en-US" dirty="0" smtClean="0"/>
-              <a:t>Filter by </a:t>
-            </a:r>
-            <a:r>
-              <a:rPr lang="en-US" dirty="0" err="1" smtClean="0"/>
-              <a:t>kav</a:t>
-            </a:r>
-            <a:r>
-              <a:rPr lang="en-US" dirty="0" smtClean="0"/>
-              <a:t> frequency</a:t>
-            </a:r>
-          </a:p>
-          <a:p>
-            <a:r>
-              <a:rPr lang="en-US" dirty="0" smtClean="0"/>
-              <a:t>Filter by </a:t>
-            </a:r>
-            <a:r>
-              <a:rPr lang="en-US" dirty="0" err="1" smtClean="0"/>
-              <a:t>clinvar</a:t>
-            </a:r>
-            <a:r>
-              <a:rPr lang="en-US" dirty="0" smtClean="0"/>
-              <a:t> rating</a:t>
-            </a:r>
-            <a:endParaRPr lang="en-US" dirty="0"/>
+              <a:t> with a quality score &gt; 1000 and a passing filter. </a:t>
+            </a:r>
+            <a:endParaRPr lang="en-US" dirty="0" smtClean="0"/>
+          </a:p>
+          <a:p>
+            <a:pPr marL="0" indent="0">
+              <a:buNone/>
+            </a:pPr>
+            <a:endParaRPr lang="en-US" dirty="0" smtClean="0"/>
+          </a:p>
+          <a:p>
+            <a:pPr marL="0" indent="0">
+              <a:buNone/>
+            </a:pPr>
+            <a:r>
+              <a:rPr lang="en-US" dirty="0">
+                <a:latin typeface="Courier New"/>
+                <a:cs typeface="Courier New"/>
+              </a:rPr>
+              <a:t>SELECT </a:t>
+            </a:r>
+            <a:r>
+              <a:rPr lang="en-US" dirty="0" smtClean="0">
+                <a:latin typeface="Courier New"/>
+                <a:cs typeface="Courier New"/>
+              </a:rPr>
+              <a:t>*</a:t>
+            </a:r>
+            <a:endParaRPr lang="en-US" dirty="0">
+              <a:latin typeface="Courier New"/>
+              <a:cs typeface="Courier New"/>
+            </a:endParaRPr>
+          </a:p>
+          <a:p>
+            <a:pPr marL="0" indent="0">
+              <a:buNone/>
+            </a:pPr>
+            <a:r>
+              <a:rPr lang="en-US" dirty="0">
+                <a:latin typeface="Courier New"/>
+                <a:cs typeface="Courier New"/>
+              </a:rPr>
+              <a:t>from </a:t>
+            </a:r>
+            <a:r>
+              <a:rPr lang="en-US" dirty="0" err="1">
+                <a:latin typeface="Courier New"/>
+                <a:cs typeface="Courier New"/>
+              </a:rPr>
+              <a:t>training.illumina_vars</a:t>
+            </a:r>
+            <a:endParaRPr lang="en-US" dirty="0">
+              <a:latin typeface="Courier New"/>
+              <a:cs typeface="Courier New"/>
+            </a:endParaRPr>
+          </a:p>
+          <a:p>
+            <a:pPr marL="0" indent="0">
+              <a:buNone/>
+            </a:pPr>
+            <a:r>
+              <a:rPr lang="en-US" dirty="0" smtClean="0">
+                <a:latin typeface="Courier New"/>
+                <a:cs typeface="Courier New"/>
+              </a:rPr>
+              <a:t>WHERE </a:t>
+            </a:r>
+            <a:r>
+              <a:rPr lang="en-US" dirty="0" err="1" smtClean="0">
+                <a:latin typeface="Courier New"/>
+                <a:cs typeface="Courier New"/>
+              </a:rPr>
+              <a:t>qual</a:t>
+            </a:r>
+            <a:r>
+              <a:rPr lang="en-US" dirty="0" smtClean="0">
+                <a:latin typeface="Courier New"/>
+                <a:cs typeface="Courier New"/>
+              </a:rPr>
+              <a:t> &gt; 1000</a:t>
+            </a:r>
+          </a:p>
+          <a:p>
+            <a:pPr marL="0" indent="0">
+              <a:buNone/>
+            </a:pPr>
+            <a:r>
+              <a:rPr lang="en-US" dirty="0" smtClean="0">
+                <a:latin typeface="Courier New"/>
+                <a:cs typeface="Courier New"/>
+              </a:rPr>
+              <a:t>AND filter = ‘PASS’</a:t>
+            </a:r>
+            <a:endParaRPr lang="en-US" dirty="0">
+              <a:latin typeface="Courier New"/>
+              <a:cs typeface="Courier New"/>
+            </a:endParaRPr>
           </a:p>
         </p:txBody>
       </p:sp>
     </p:spTree>
     <p:extLst>
       <p:ext uri="{BB962C8B-B14F-4D97-AF65-F5344CB8AC3E}">
-        <p14:creationId xmlns:p14="http://schemas.microsoft.com/office/powerpoint/2010/main" val="2326369315"/>
+        <p14:creationId xmlns:p14="http://schemas.microsoft.com/office/powerpoint/2010/main" val="247654795"/>
       </p:ext>
     </p:extLst>
   </p:cSld>
   <p:clrMapOvr>
     <a:masterClrMapping/>
   </p:clrMapOvr>
+  <p:timing>
+    <p:tnLst>
+      <p:par>
+        <p:cTn id="1" dur="indefinite" restart="never" nodeType="tmRoot"/>
+      </p:par>
+    </p:tnLst>
+  </p:timing>
 </p:sld>
 </file>
 
@@ -12151,10 +12430,32 @@
           <a:bodyPr/>
           <a:lstStyle/>
           <a:p>
-            <a:pPr algn="l"/>
             <a:r>
               <a:rPr lang="en-US" dirty="0" smtClean="0"/>
-              <a:t>Add practice join questions here</a:t>
+              <a:t>Practice</a:t>
+            </a:r>
+            <a:endParaRPr lang="en-US" dirty="0"/>
+          </a:p>
+        </p:txBody>
+      </p:sp>
+      <p:sp>
+        <p:nvSpPr>
+          <p:cNvPr id="5" name="Text Placeholder 4"/>
+          <p:cNvSpPr>
+            <a:spLocks noGrp="1"/>
+          </p:cNvSpPr>
+          <p:nvPr>
+            <p:ph type="body" idx="1"/>
+          </p:nvPr>
+        </p:nvSpPr>
+        <p:spPr/>
+        <p:txBody>
+          <a:bodyPr/>
+          <a:lstStyle/>
+          <a:p>
+            <a:r>
+              <a:rPr lang="en-US" dirty="0" smtClean="0"/>
+              <a:t>JOINS</a:t>
             </a:r>
             <a:endParaRPr lang="en-US" dirty="0"/>
           </a:p>
@@ -12163,7 +12464,99 @@
     </p:spTree>
     <p:extLst>
       <p:ext uri="{BB962C8B-B14F-4D97-AF65-F5344CB8AC3E}">
-        <p14:creationId xmlns:p14="http://schemas.microsoft.com/office/powerpoint/2010/main" val="3963575220"/>
+        <p14:creationId xmlns:p14="http://schemas.microsoft.com/office/powerpoint/2010/main" val="3652329402"/>
+      </p:ext>
+    </p:extLst>
+  </p:cSld>
+  <p:clrMapOvr>
+    <a:masterClrMapping/>
+  </p:clrMapOvr>
+</p:sld>
+</file>
+
+<file path=ppt/slides/slide19.xml><?xml version="1.0" encoding="utf-8"?>
+<p:sld xmlns:a="http://schemas.openxmlformats.org/drawingml/2006/main" xmlns:r="http://schemas.openxmlformats.org/officeDocument/2006/relationships" xmlns:p="http://schemas.openxmlformats.org/presentationml/2006/main">
+  <p:cSld>
+    <p:spTree>
+      <p:nvGrpSpPr>
+        <p:cNvPr id="1" name=""/>
+        <p:cNvGrpSpPr/>
+        <p:nvPr/>
+      </p:nvGrpSpPr>
+      <p:grpSpPr>
+        <a:xfrm>
+          <a:off x="0" y="0"/>
+          <a:ext cx="0" cy="0"/>
+          <a:chOff x="0" y="0"/>
+          <a:chExt cx="0" cy="0"/>
+        </a:xfrm>
+      </p:grpSpPr>
+      <p:sp>
+        <p:nvSpPr>
+          <p:cNvPr id="2" name="Title 1"/>
+          <p:cNvSpPr>
+            <a:spLocks noGrp="1"/>
+          </p:cNvSpPr>
+          <p:nvPr>
+            <p:ph type="title"/>
+          </p:nvPr>
+        </p:nvSpPr>
+        <p:spPr/>
+        <p:txBody>
+          <a:bodyPr/>
+          <a:lstStyle/>
+          <a:p>
+            <a:r>
+              <a:rPr lang="en-US" dirty="0" smtClean="0"/>
+              <a:t>Annotate Variants</a:t>
+            </a:r>
+            <a:endParaRPr lang="en-US" dirty="0"/>
+          </a:p>
+        </p:txBody>
+      </p:sp>
+      <p:sp>
+        <p:nvSpPr>
+          <p:cNvPr id="3" name="Content Placeholder 2"/>
+          <p:cNvSpPr>
+            <a:spLocks noGrp="1"/>
+          </p:cNvSpPr>
+          <p:nvPr>
+            <p:ph idx="1"/>
+          </p:nvPr>
+        </p:nvSpPr>
+        <p:spPr/>
+        <p:txBody>
+          <a:bodyPr>
+            <a:normAutofit/>
+          </a:bodyPr>
+          <a:lstStyle/>
+          <a:p>
+            <a:pPr marL="0" indent="0">
+              <a:buNone/>
+            </a:pPr>
+            <a:r>
+              <a:rPr lang="en-US" dirty="0" smtClean="0"/>
+              <a:t>Using the filtered variant set from the last question, we will join those variants with the global variants table to annotated and then filter the variants. </a:t>
+            </a:r>
+          </a:p>
+          <a:p>
+            <a:pPr marL="0" indent="0">
+              <a:buNone/>
+            </a:pPr>
+            <a:endParaRPr lang="en-US" dirty="0" smtClean="0"/>
+          </a:p>
+          <a:p>
+            <a:pPr marL="0" indent="0">
+              <a:buNone/>
+            </a:pPr>
+            <a:endParaRPr lang="en-US" dirty="0"/>
+          </a:p>
+        </p:txBody>
+      </p:sp>
+    </p:spTree>
+    <p:extLst>
+      <p:ext uri="{BB962C8B-B14F-4D97-AF65-F5344CB8AC3E}">
+        <p14:creationId xmlns:p14="http://schemas.microsoft.com/office/powerpoint/2010/main" val="139047279"/>
       </p:ext>
     </p:extLst>
   </p:cSld>
@@ -12270,6 +12663,2989 @@
       </p:par>
     </p:tnLst>
   </p:timing>
+</p:sld>
+</file>
+
+<file path=ppt/slides/slide20.xml><?xml version="1.0" encoding="utf-8"?>
+<p:sld xmlns:a="http://schemas.openxmlformats.org/drawingml/2006/main" xmlns:r="http://schemas.openxmlformats.org/officeDocument/2006/relationships" xmlns:p="http://schemas.openxmlformats.org/presentationml/2006/main">
+  <p:cSld>
+    <p:spTree>
+      <p:nvGrpSpPr>
+        <p:cNvPr id="1" name=""/>
+        <p:cNvGrpSpPr/>
+        <p:nvPr/>
+      </p:nvGrpSpPr>
+      <p:grpSpPr>
+        <a:xfrm>
+          <a:off x="0" y="0"/>
+          <a:ext cx="0" cy="0"/>
+          <a:chOff x="0" y="0"/>
+          <a:chExt cx="0" cy="0"/>
+        </a:xfrm>
+      </p:grpSpPr>
+      <p:sp>
+        <p:nvSpPr>
+          <p:cNvPr id="2" name="Title 1"/>
+          <p:cNvSpPr>
+            <a:spLocks noGrp="1"/>
+          </p:cNvSpPr>
+          <p:nvPr>
+            <p:ph type="title"/>
+          </p:nvPr>
+        </p:nvSpPr>
+        <p:spPr/>
+        <p:txBody>
+          <a:bodyPr/>
+          <a:lstStyle/>
+          <a:p>
+            <a:r>
+              <a:rPr lang="en-US" dirty="0" smtClean="0"/>
+              <a:t>Annotate Variants</a:t>
+            </a:r>
+            <a:endParaRPr lang="en-US" dirty="0"/>
+          </a:p>
+        </p:txBody>
+      </p:sp>
+      <p:sp>
+        <p:nvSpPr>
+          <p:cNvPr id="3" name="Content Placeholder 2"/>
+          <p:cNvSpPr>
+            <a:spLocks noGrp="1"/>
+          </p:cNvSpPr>
+          <p:nvPr>
+            <p:ph idx="1"/>
+          </p:nvPr>
+        </p:nvSpPr>
+        <p:spPr/>
+        <p:txBody>
+          <a:bodyPr>
+            <a:normAutofit fontScale="92500" lnSpcReduction="10000"/>
+          </a:bodyPr>
+          <a:lstStyle/>
+          <a:p>
+            <a:pPr marL="0" indent="0">
+              <a:buNone/>
+            </a:pPr>
+            <a:r>
+              <a:rPr lang="en-US" dirty="0" smtClean="0"/>
+              <a:t>First let’s turn our filtered variant set into a transaction table (t-table, temp-table):  </a:t>
+            </a:r>
+          </a:p>
+          <a:p>
+            <a:pPr marL="0" indent="0">
+              <a:buNone/>
+            </a:pPr>
+            <a:endParaRPr lang="en-US" dirty="0" smtClean="0"/>
+          </a:p>
+          <a:p>
+            <a:pPr marL="0" indent="0">
+              <a:buNone/>
+            </a:pPr>
+            <a:r>
+              <a:rPr lang="en-US" dirty="0" smtClean="0">
+                <a:latin typeface="Courier New"/>
+                <a:cs typeface="Courier New"/>
+              </a:rPr>
+              <a:t>WITH </a:t>
+            </a:r>
+            <a:r>
+              <a:rPr lang="en-US" dirty="0" err="1" smtClean="0">
+                <a:latin typeface="Courier New"/>
+                <a:cs typeface="Courier New"/>
+              </a:rPr>
+              <a:t>vars</a:t>
+            </a:r>
+            <a:r>
+              <a:rPr lang="en-US" dirty="0" smtClean="0">
+                <a:latin typeface="Courier New"/>
+                <a:cs typeface="Courier New"/>
+              </a:rPr>
+              <a:t> as (</a:t>
+            </a:r>
+          </a:p>
+          <a:p>
+            <a:pPr marL="0" indent="0">
+              <a:buNone/>
+            </a:pPr>
+            <a:r>
+              <a:rPr lang="en-US" dirty="0" smtClean="0">
+                <a:latin typeface="Courier New"/>
+                <a:cs typeface="Courier New"/>
+              </a:rPr>
+              <a:t>SELECT *</a:t>
+            </a:r>
+          </a:p>
+          <a:p>
+            <a:pPr marL="0" indent="0">
+              <a:buNone/>
+            </a:pPr>
+            <a:r>
+              <a:rPr lang="en-US" dirty="0" smtClean="0">
+                <a:latin typeface="Courier New"/>
+                <a:cs typeface="Courier New"/>
+              </a:rPr>
+              <a:t>from </a:t>
+            </a:r>
+            <a:r>
+              <a:rPr lang="en-US" dirty="0" err="1" smtClean="0">
+                <a:latin typeface="Courier New"/>
+                <a:cs typeface="Courier New"/>
+              </a:rPr>
+              <a:t>training.illumina_vars</a:t>
+            </a:r>
+            <a:endParaRPr lang="en-US" dirty="0" smtClean="0">
+              <a:latin typeface="Courier New"/>
+              <a:cs typeface="Courier New"/>
+            </a:endParaRPr>
+          </a:p>
+          <a:p>
+            <a:pPr marL="0" indent="0">
+              <a:buNone/>
+            </a:pPr>
+            <a:r>
+              <a:rPr lang="en-US" dirty="0" smtClean="0">
+                <a:latin typeface="Courier New"/>
+                <a:cs typeface="Courier New"/>
+              </a:rPr>
+              <a:t>WHERE </a:t>
+            </a:r>
+            <a:r>
+              <a:rPr lang="en-US" dirty="0" err="1" smtClean="0">
+                <a:latin typeface="Courier New"/>
+                <a:cs typeface="Courier New"/>
+              </a:rPr>
+              <a:t>qual</a:t>
+            </a:r>
+            <a:r>
+              <a:rPr lang="en-US" dirty="0" smtClean="0">
+                <a:latin typeface="Courier New"/>
+                <a:cs typeface="Courier New"/>
+              </a:rPr>
+              <a:t> &gt; 1000</a:t>
+            </a:r>
+          </a:p>
+          <a:p>
+            <a:pPr marL="0" indent="0">
+              <a:buNone/>
+            </a:pPr>
+            <a:r>
+              <a:rPr lang="en-US" dirty="0" smtClean="0">
+                <a:latin typeface="Courier New"/>
+                <a:cs typeface="Courier New"/>
+              </a:rPr>
+              <a:t>AND filter = ‘PASS’</a:t>
+            </a:r>
+          </a:p>
+          <a:p>
+            <a:pPr marL="0" indent="0">
+              <a:buNone/>
+            </a:pPr>
+            <a:r>
+              <a:rPr lang="en-US" dirty="0" smtClean="0">
+                <a:latin typeface="Courier New"/>
+                <a:cs typeface="Courier New"/>
+              </a:rPr>
+              <a:t>)</a:t>
+            </a:r>
+          </a:p>
+          <a:p>
+            <a:pPr marL="0" indent="0">
+              <a:buNone/>
+            </a:pPr>
+            <a:endParaRPr lang="en-US" dirty="0"/>
+          </a:p>
+        </p:txBody>
+      </p:sp>
+    </p:spTree>
+    <p:extLst>
+      <p:ext uri="{BB962C8B-B14F-4D97-AF65-F5344CB8AC3E}">
+        <p14:creationId xmlns:p14="http://schemas.microsoft.com/office/powerpoint/2010/main" val="2216772951"/>
+      </p:ext>
+    </p:extLst>
+  </p:cSld>
+  <p:clrMapOvr>
+    <a:masterClrMapping/>
+  </p:clrMapOvr>
+</p:sld>
+</file>
+
+<file path=ppt/slides/slide21.xml><?xml version="1.0" encoding="utf-8"?>
+<p:sld xmlns:a="http://schemas.openxmlformats.org/drawingml/2006/main" xmlns:r="http://schemas.openxmlformats.org/officeDocument/2006/relationships" xmlns:p="http://schemas.openxmlformats.org/presentationml/2006/main">
+  <p:cSld>
+    <p:spTree>
+      <p:nvGrpSpPr>
+        <p:cNvPr id="1" name=""/>
+        <p:cNvGrpSpPr/>
+        <p:nvPr/>
+      </p:nvGrpSpPr>
+      <p:grpSpPr>
+        <a:xfrm>
+          <a:off x="0" y="0"/>
+          <a:ext cx="0" cy="0"/>
+          <a:chOff x="0" y="0"/>
+          <a:chExt cx="0" cy="0"/>
+        </a:xfrm>
+      </p:grpSpPr>
+      <p:sp>
+        <p:nvSpPr>
+          <p:cNvPr id="2" name="Title 1"/>
+          <p:cNvSpPr>
+            <a:spLocks noGrp="1"/>
+          </p:cNvSpPr>
+          <p:nvPr>
+            <p:ph type="title"/>
+          </p:nvPr>
+        </p:nvSpPr>
+        <p:spPr/>
+        <p:txBody>
+          <a:bodyPr/>
+          <a:lstStyle/>
+          <a:p>
+            <a:r>
+              <a:rPr lang="en-US" dirty="0" smtClean="0"/>
+              <a:t>Annotate Variants</a:t>
+            </a:r>
+            <a:endParaRPr lang="en-US" dirty="0"/>
+          </a:p>
+        </p:txBody>
+      </p:sp>
+      <p:sp>
+        <p:nvSpPr>
+          <p:cNvPr id="3" name="Content Placeholder 2"/>
+          <p:cNvSpPr>
+            <a:spLocks noGrp="1"/>
+          </p:cNvSpPr>
+          <p:nvPr>
+            <p:ph idx="1"/>
+          </p:nvPr>
+        </p:nvSpPr>
+        <p:spPr/>
+        <p:txBody>
+          <a:bodyPr>
+            <a:normAutofit fontScale="55000" lnSpcReduction="20000"/>
+          </a:bodyPr>
+          <a:lstStyle/>
+          <a:p>
+            <a:pPr marL="0" indent="0">
+              <a:buNone/>
+            </a:pPr>
+            <a:r>
+              <a:rPr lang="en-US" dirty="0" smtClean="0"/>
+              <a:t>Next we’ll join the t-table with </a:t>
+            </a:r>
+            <a:r>
+              <a:rPr lang="en-US" dirty="0" err="1" smtClean="0"/>
+              <a:t>training.global_vars</a:t>
+            </a:r>
+            <a:r>
+              <a:rPr lang="en-US" dirty="0" smtClean="0"/>
+              <a:t> to gain annotations fo</a:t>
+            </a:r>
+            <a:r>
+              <a:rPr lang="en-US" dirty="0" smtClean="0"/>
+              <a:t>r each variant. Let’s figure out  what rows to return: </a:t>
+            </a:r>
+            <a:endParaRPr lang="en-US" dirty="0" smtClean="0"/>
+          </a:p>
+          <a:p>
+            <a:pPr marL="0" indent="0">
+              <a:buNone/>
+            </a:pPr>
+            <a:endParaRPr lang="en-US" dirty="0" smtClean="0"/>
+          </a:p>
+          <a:p>
+            <a:pPr marL="0" indent="0">
+              <a:buNone/>
+            </a:pPr>
+            <a:r>
+              <a:rPr lang="en-US" dirty="0" smtClean="0">
+                <a:latin typeface="Courier New"/>
+                <a:cs typeface="Courier New"/>
+              </a:rPr>
+              <a:t>WITH </a:t>
+            </a:r>
+            <a:r>
+              <a:rPr lang="en-US" dirty="0" err="1" smtClean="0">
+                <a:latin typeface="Courier New"/>
+                <a:cs typeface="Courier New"/>
+              </a:rPr>
+              <a:t>vars</a:t>
+            </a:r>
+            <a:r>
+              <a:rPr lang="en-US" dirty="0" smtClean="0">
+                <a:latin typeface="Courier New"/>
+                <a:cs typeface="Courier New"/>
+              </a:rPr>
+              <a:t> as (</a:t>
+            </a:r>
+          </a:p>
+          <a:p>
+            <a:pPr marL="0" indent="0">
+              <a:buNone/>
+            </a:pPr>
+            <a:r>
+              <a:rPr lang="en-US" dirty="0" smtClean="0">
+                <a:latin typeface="Courier New"/>
+                <a:cs typeface="Courier New"/>
+              </a:rPr>
+              <a:t>SELECT *</a:t>
+            </a:r>
+          </a:p>
+          <a:p>
+            <a:pPr marL="0" indent="0">
+              <a:buNone/>
+            </a:pPr>
+            <a:r>
+              <a:rPr lang="en-US" dirty="0" smtClean="0">
+                <a:latin typeface="Courier New"/>
+                <a:cs typeface="Courier New"/>
+              </a:rPr>
+              <a:t>from </a:t>
+            </a:r>
+            <a:r>
+              <a:rPr lang="en-US" dirty="0" err="1" smtClean="0">
+                <a:latin typeface="Courier New"/>
+                <a:cs typeface="Courier New"/>
+              </a:rPr>
+              <a:t>training.illumina_vars</a:t>
+            </a:r>
+            <a:endParaRPr lang="en-US" dirty="0" smtClean="0">
+              <a:latin typeface="Courier New"/>
+              <a:cs typeface="Courier New"/>
+            </a:endParaRPr>
+          </a:p>
+          <a:p>
+            <a:pPr marL="0" indent="0">
+              <a:buNone/>
+            </a:pPr>
+            <a:r>
+              <a:rPr lang="en-US" dirty="0" smtClean="0">
+                <a:latin typeface="Courier New"/>
+                <a:cs typeface="Courier New"/>
+              </a:rPr>
+              <a:t>WHERE </a:t>
+            </a:r>
+            <a:r>
+              <a:rPr lang="en-US" dirty="0" err="1" smtClean="0">
+                <a:latin typeface="Courier New"/>
+                <a:cs typeface="Courier New"/>
+              </a:rPr>
+              <a:t>qual</a:t>
+            </a:r>
+            <a:r>
+              <a:rPr lang="en-US" dirty="0" smtClean="0">
+                <a:latin typeface="Courier New"/>
+                <a:cs typeface="Courier New"/>
+              </a:rPr>
+              <a:t> &gt; 1000</a:t>
+            </a:r>
+          </a:p>
+          <a:p>
+            <a:pPr marL="0" indent="0">
+              <a:buNone/>
+            </a:pPr>
+            <a:r>
+              <a:rPr lang="en-US" dirty="0" smtClean="0">
+                <a:latin typeface="Courier New"/>
+                <a:cs typeface="Courier New"/>
+              </a:rPr>
+              <a:t>AND filter = ‘PASS’</a:t>
+            </a:r>
+          </a:p>
+          <a:p>
+            <a:pPr marL="0" indent="0">
+              <a:buNone/>
+            </a:pPr>
+            <a:r>
+              <a:rPr lang="en-US" dirty="0" smtClean="0">
+                <a:latin typeface="Courier New"/>
+                <a:cs typeface="Courier New"/>
+              </a:rPr>
+              <a:t>)</a:t>
+            </a:r>
+          </a:p>
+          <a:p>
+            <a:pPr marL="0" indent="0">
+              <a:buNone/>
+            </a:pPr>
+            <a:r>
+              <a:rPr lang="en-US" b="1" dirty="0" smtClean="0">
+                <a:latin typeface="Courier New"/>
+                <a:cs typeface="Courier New"/>
+              </a:rPr>
+              <a:t>-- we want back everything from the </a:t>
+            </a:r>
+            <a:r>
+              <a:rPr lang="en-US" b="1" dirty="0" err="1" smtClean="0">
+                <a:latin typeface="Courier New"/>
+                <a:cs typeface="Courier New"/>
+              </a:rPr>
+              <a:t>vars</a:t>
+            </a:r>
+            <a:r>
+              <a:rPr lang="en-US" b="1" dirty="0" smtClean="0">
+                <a:latin typeface="Courier New"/>
+                <a:cs typeface="Courier New"/>
+              </a:rPr>
+              <a:t> t-table</a:t>
+            </a:r>
+          </a:p>
+          <a:p>
+            <a:pPr marL="0" indent="0">
+              <a:buNone/>
+            </a:pPr>
+            <a:r>
+              <a:rPr lang="en-US" b="1" dirty="0" smtClean="0">
+                <a:latin typeface="Courier New"/>
+                <a:cs typeface="Courier New"/>
+              </a:rPr>
+              <a:t>-- we want back just the annotations from </a:t>
+            </a:r>
+            <a:r>
+              <a:rPr lang="en-US" b="1" dirty="0" err="1" smtClean="0">
+                <a:latin typeface="Courier New"/>
+                <a:cs typeface="Courier New"/>
+              </a:rPr>
+              <a:t>global_vars</a:t>
+            </a:r>
+            <a:endParaRPr lang="en-US" b="1" dirty="0">
+              <a:latin typeface="Courier New"/>
+              <a:cs typeface="Courier New"/>
+            </a:endParaRPr>
+          </a:p>
+          <a:p>
+            <a:pPr marL="0" indent="0">
+              <a:buNone/>
+            </a:pPr>
+            <a:r>
+              <a:rPr lang="en-US" b="1" dirty="0" smtClean="0">
+                <a:latin typeface="Courier New"/>
+                <a:cs typeface="Courier New"/>
+              </a:rPr>
+              <a:t>SELECT vars.*, </a:t>
+            </a:r>
+            <a:r>
+              <a:rPr lang="en-US" b="1" dirty="0" err="1" smtClean="0">
+                <a:latin typeface="Courier New"/>
+                <a:cs typeface="Courier New"/>
+              </a:rPr>
+              <a:t>gv.gene_name</a:t>
+            </a:r>
+            <a:r>
+              <a:rPr lang="en-US" b="1" dirty="0" smtClean="0">
+                <a:latin typeface="Courier New"/>
+                <a:cs typeface="Courier New"/>
+              </a:rPr>
+              <a:t>, </a:t>
+            </a:r>
+            <a:r>
+              <a:rPr lang="en-US" b="1" dirty="0" err="1" smtClean="0">
+                <a:latin typeface="Courier New"/>
+                <a:cs typeface="Courier New"/>
+              </a:rPr>
+              <a:t>gv.gene_id</a:t>
+            </a:r>
+            <a:r>
+              <a:rPr lang="en-US" b="1" dirty="0" smtClean="0">
+                <a:latin typeface="Courier New"/>
+                <a:cs typeface="Courier New"/>
+              </a:rPr>
+              <a:t>, </a:t>
+            </a:r>
+            <a:r>
+              <a:rPr lang="en-US" b="1" dirty="0" err="1" smtClean="0">
+                <a:latin typeface="Courier New"/>
+                <a:cs typeface="Courier New"/>
+              </a:rPr>
+              <a:t>gv.transcript_name</a:t>
+            </a:r>
+            <a:r>
+              <a:rPr lang="en-US" b="1" dirty="0" smtClean="0">
+                <a:latin typeface="Courier New"/>
+                <a:cs typeface="Courier New"/>
+              </a:rPr>
+              <a:t>, </a:t>
+            </a:r>
+            <a:r>
+              <a:rPr lang="en-US" b="1" dirty="0" err="1" smtClean="0">
+                <a:latin typeface="Courier New"/>
+                <a:cs typeface="Courier New"/>
+              </a:rPr>
+              <a:t>gv.transcript_id</a:t>
+            </a:r>
+            <a:r>
+              <a:rPr lang="en-US" b="1" dirty="0" smtClean="0">
+                <a:latin typeface="Courier New"/>
+                <a:cs typeface="Courier New"/>
+              </a:rPr>
+              <a:t>, </a:t>
+            </a:r>
+            <a:r>
+              <a:rPr lang="en-US" b="1" dirty="0" err="1" smtClean="0">
+                <a:latin typeface="Courier New"/>
+                <a:cs typeface="Courier New"/>
+              </a:rPr>
+              <a:t>gv.clin_sig</a:t>
+            </a:r>
+            <a:r>
+              <a:rPr lang="en-US" b="1" dirty="0" smtClean="0">
+                <a:latin typeface="Courier New"/>
+                <a:cs typeface="Courier New"/>
+              </a:rPr>
+              <a:t>, </a:t>
+            </a:r>
+            <a:r>
+              <a:rPr lang="en-US" b="1" dirty="0" err="1" smtClean="0">
+                <a:latin typeface="Courier New"/>
+                <a:cs typeface="Courier New"/>
+              </a:rPr>
+              <a:t>gv.clin_dbn</a:t>
+            </a:r>
+            <a:r>
+              <a:rPr lang="en-US" b="1" dirty="0" smtClean="0">
+                <a:latin typeface="Courier New"/>
+                <a:cs typeface="Courier New"/>
+              </a:rPr>
+              <a:t>, </a:t>
+            </a:r>
+            <a:r>
+              <a:rPr lang="en-US" b="1" dirty="0" err="1" smtClean="0">
+                <a:latin typeface="Courier New"/>
+                <a:cs typeface="Courier New"/>
+              </a:rPr>
+              <a:t>gv.kav_freq</a:t>
+            </a:r>
+            <a:r>
+              <a:rPr lang="en-US" b="1" dirty="0" smtClean="0">
+                <a:latin typeface="Courier New"/>
+                <a:cs typeface="Courier New"/>
+              </a:rPr>
+              <a:t>, </a:t>
+            </a:r>
+            <a:r>
+              <a:rPr lang="en-US" b="1" dirty="0" err="1" smtClean="0">
+                <a:latin typeface="Courier New"/>
+                <a:cs typeface="Courier New"/>
+              </a:rPr>
+              <a:t>gv.kav_source</a:t>
+            </a:r>
+            <a:r>
+              <a:rPr lang="en-US" b="1" dirty="0" smtClean="0">
+                <a:latin typeface="Courier New"/>
+                <a:cs typeface="Courier New"/>
+              </a:rPr>
+              <a:t>, </a:t>
+            </a:r>
+            <a:r>
+              <a:rPr lang="en-US" b="1" dirty="0" err="1" smtClean="0">
+                <a:latin typeface="Courier New"/>
+                <a:cs typeface="Courier New"/>
+              </a:rPr>
+              <a:t>gv.dbsnp_build</a:t>
+            </a:r>
+            <a:r>
+              <a:rPr lang="en-US" b="1" dirty="0" smtClean="0">
+                <a:latin typeface="Courier New"/>
+                <a:cs typeface="Courier New"/>
+              </a:rPr>
+              <a:t>, </a:t>
+            </a:r>
+            <a:r>
+              <a:rPr lang="en-US" b="1" dirty="0" err="1" smtClean="0">
+                <a:latin typeface="Courier New"/>
+                <a:cs typeface="Courier New"/>
+              </a:rPr>
+              <a:t>gv.var_type</a:t>
+            </a:r>
+            <a:r>
+              <a:rPr lang="en-US" b="1" dirty="0" smtClean="0">
+                <a:latin typeface="Courier New"/>
+                <a:cs typeface="Courier New"/>
+              </a:rPr>
+              <a:t>, </a:t>
+            </a:r>
+            <a:r>
+              <a:rPr lang="en-US" b="1" dirty="0" err="1" smtClean="0">
+                <a:latin typeface="Courier New"/>
+                <a:cs typeface="Courier New"/>
+              </a:rPr>
+              <a:t>gv.cadd_raw</a:t>
+            </a:r>
+            <a:r>
+              <a:rPr lang="en-US" b="1" dirty="0" smtClean="0">
+                <a:latin typeface="Courier New"/>
+                <a:cs typeface="Courier New"/>
+              </a:rPr>
+              <a:t>, </a:t>
+            </a:r>
+            <a:r>
+              <a:rPr lang="en-US" b="1" dirty="0" err="1" smtClean="0">
+                <a:latin typeface="Courier New"/>
+                <a:cs typeface="Courier New"/>
+              </a:rPr>
+              <a:t>gv.dann_score</a:t>
+            </a:r>
+            <a:r>
+              <a:rPr lang="en-US" b="1" dirty="0" smtClean="0">
+                <a:latin typeface="Courier New"/>
+                <a:cs typeface="Courier New"/>
+              </a:rPr>
+              <a:t>, </a:t>
+            </a:r>
+            <a:r>
+              <a:rPr lang="en-US" b="1" dirty="0" err="1" smtClean="0">
+                <a:latin typeface="Courier New"/>
+                <a:cs typeface="Courier New"/>
+              </a:rPr>
+              <a:t>gv.interpro_domain</a:t>
+            </a:r>
+            <a:endParaRPr lang="en-US" b="1" dirty="0" smtClean="0">
+              <a:latin typeface="Courier New"/>
+              <a:cs typeface="Courier New"/>
+            </a:endParaRPr>
+          </a:p>
+          <a:p>
+            <a:pPr marL="0" indent="0">
+              <a:buNone/>
+            </a:pPr>
+            <a:r>
+              <a:rPr lang="en-US" b="1" dirty="0" smtClean="0">
+                <a:latin typeface="Courier New"/>
+                <a:cs typeface="Courier New"/>
+              </a:rPr>
+              <a:t>FROM </a:t>
+            </a:r>
+            <a:r>
+              <a:rPr lang="en-US" b="1" dirty="0" err="1" smtClean="0">
+                <a:latin typeface="Courier New"/>
+                <a:cs typeface="Courier New"/>
+              </a:rPr>
+              <a:t>vars</a:t>
+            </a:r>
+            <a:r>
+              <a:rPr lang="en-US" b="1" dirty="0" smtClean="0">
+                <a:latin typeface="Courier New"/>
+                <a:cs typeface="Courier New"/>
+              </a:rPr>
+              <a:t>, </a:t>
+            </a:r>
+            <a:r>
+              <a:rPr lang="en-US" b="1" dirty="0" err="1" smtClean="0">
+                <a:latin typeface="Courier New"/>
+                <a:cs typeface="Courier New"/>
+              </a:rPr>
+              <a:t>training.global_vars</a:t>
+            </a:r>
+            <a:r>
+              <a:rPr lang="en-US" b="1" dirty="0" smtClean="0">
+                <a:latin typeface="Courier New"/>
+                <a:cs typeface="Courier New"/>
+              </a:rPr>
+              <a:t> as </a:t>
+            </a:r>
+            <a:r>
+              <a:rPr lang="en-US" b="1" dirty="0" err="1" smtClean="0">
+                <a:latin typeface="Courier New"/>
+                <a:cs typeface="Courier New"/>
+              </a:rPr>
+              <a:t>gv</a:t>
+            </a:r>
+            <a:endParaRPr lang="en-US" b="1" dirty="0" smtClean="0">
+              <a:latin typeface="Courier New"/>
+              <a:cs typeface="Courier New"/>
+            </a:endParaRPr>
+          </a:p>
+          <a:p>
+            <a:pPr marL="0" indent="0">
+              <a:buNone/>
+            </a:pPr>
+            <a:endParaRPr lang="en-US" dirty="0"/>
+          </a:p>
+        </p:txBody>
+      </p:sp>
+    </p:spTree>
+    <p:extLst>
+      <p:ext uri="{BB962C8B-B14F-4D97-AF65-F5344CB8AC3E}">
+        <p14:creationId xmlns:p14="http://schemas.microsoft.com/office/powerpoint/2010/main" val="479436460"/>
+      </p:ext>
+    </p:extLst>
+  </p:cSld>
+  <p:clrMapOvr>
+    <a:masterClrMapping/>
+  </p:clrMapOvr>
+</p:sld>
+</file>
+
+<file path=ppt/slides/slide22.xml><?xml version="1.0" encoding="utf-8"?>
+<p:sld xmlns:a="http://schemas.openxmlformats.org/drawingml/2006/main" xmlns:r="http://schemas.openxmlformats.org/officeDocument/2006/relationships" xmlns:p="http://schemas.openxmlformats.org/presentationml/2006/main">
+  <p:cSld>
+    <p:spTree>
+      <p:nvGrpSpPr>
+        <p:cNvPr id="1" name=""/>
+        <p:cNvGrpSpPr/>
+        <p:nvPr/>
+      </p:nvGrpSpPr>
+      <p:grpSpPr>
+        <a:xfrm>
+          <a:off x="0" y="0"/>
+          <a:ext cx="0" cy="0"/>
+          <a:chOff x="0" y="0"/>
+          <a:chExt cx="0" cy="0"/>
+        </a:xfrm>
+      </p:grpSpPr>
+      <p:sp>
+        <p:nvSpPr>
+          <p:cNvPr id="2" name="Title 1"/>
+          <p:cNvSpPr>
+            <a:spLocks noGrp="1"/>
+          </p:cNvSpPr>
+          <p:nvPr>
+            <p:ph type="title"/>
+          </p:nvPr>
+        </p:nvSpPr>
+        <p:spPr/>
+        <p:txBody>
+          <a:bodyPr/>
+          <a:lstStyle/>
+          <a:p>
+            <a:r>
+              <a:rPr lang="en-US" dirty="0" smtClean="0"/>
+              <a:t>Annotate Variants</a:t>
+            </a:r>
+            <a:endParaRPr lang="en-US" dirty="0"/>
+          </a:p>
+        </p:txBody>
+      </p:sp>
+      <p:sp>
+        <p:nvSpPr>
+          <p:cNvPr id="3" name="Content Placeholder 2"/>
+          <p:cNvSpPr>
+            <a:spLocks noGrp="1"/>
+          </p:cNvSpPr>
+          <p:nvPr>
+            <p:ph idx="1"/>
+          </p:nvPr>
+        </p:nvSpPr>
+        <p:spPr/>
+        <p:txBody>
+          <a:bodyPr>
+            <a:normAutofit fontScale="47500" lnSpcReduction="20000"/>
+          </a:bodyPr>
+          <a:lstStyle/>
+          <a:p>
+            <a:pPr marL="0" indent="0">
+              <a:buNone/>
+            </a:pPr>
+            <a:r>
+              <a:rPr lang="en-US" dirty="0" smtClean="0"/>
+              <a:t>Now let’s figure out what fields to match the tables on</a:t>
+            </a:r>
+            <a:r>
+              <a:rPr lang="en-US" dirty="0" smtClean="0"/>
+              <a:t>: </a:t>
+            </a:r>
+            <a:endParaRPr lang="en-US" dirty="0" smtClean="0"/>
+          </a:p>
+          <a:p>
+            <a:pPr marL="0" indent="0">
+              <a:buNone/>
+            </a:pPr>
+            <a:endParaRPr lang="en-US" dirty="0" smtClean="0"/>
+          </a:p>
+          <a:p>
+            <a:pPr marL="0" indent="0">
+              <a:buNone/>
+            </a:pPr>
+            <a:r>
+              <a:rPr lang="en-US" dirty="0" smtClean="0">
+                <a:latin typeface="Courier New"/>
+                <a:cs typeface="Courier New"/>
+              </a:rPr>
+              <a:t>WITH </a:t>
+            </a:r>
+            <a:r>
+              <a:rPr lang="en-US" dirty="0" err="1" smtClean="0">
+                <a:latin typeface="Courier New"/>
+                <a:cs typeface="Courier New"/>
+              </a:rPr>
+              <a:t>vars</a:t>
+            </a:r>
+            <a:r>
+              <a:rPr lang="en-US" dirty="0" smtClean="0">
+                <a:latin typeface="Courier New"/>
+                <a:cs typeface="Courier New"/>
+              </a:rPr>
+              <a:t> as (</a:t>
+            </a:r>
+          </a:p>
+          <a:p>
+            <a:pPr marL="0" indent="0">
+              <a:buNone/>
+            </a:pPr>
+            <a:r>
+              <a:rPr lang="en-US" dirty="0" smtClean="0">
+                <a:latin typeface="Courier New"/>
+                <a:cs typeface="Courier New"/>
+              </a:rPr>
+              <a:t>SELECT *</a:t>
+            </a:r>
+          </a:p>
+          <a:p>
+            <a:pPr marL="0" indent="0">
+              <a:buNone/>
+            </a:pPr>
+            <a:r>
+              <a:rPr lang="en-US" dirty="0" smtClean="0">
+                <a:latin typeface="Courier New"/>
+                <a:cs typeface="Courier New"/>
+              </a:rPr>
+              <a:t>from </a:t>
+            </a:r>
+            <a:r>
+              <a:rPr lang="en-US" dirty="0" err="1" smtClean="0">
+                <a:latin typeface="Courier New"/>
+                <a:cs typeface="Courier New"/>
+              </a:rPr>
+              <a:t>training.illumina_vars</a:t>
+            </a:r>
+            <a:endParaRPr lang="en-US" dirty="0" smtClean="0">
+              <a:latin typeface="Courier New"/>
+              <a:cs typeface="Courier New"/>
+            </a:endParaRPr>
+          </a:p>
+          <a:p>
+            <a:pPr marL="0" indent="0">
+              <a:buNone/>
+            </a:pPr>
+            <a:r>
+              <a:rPr lang="en-US" dirty="0" smtClean="0">
+                <a:latin typeface="Courier New"/>
+                <a:cs typeface="Courier New"/>
+              </a:rPr>
+              <a:t>WHERE </a:t>
+            </a:r>
+            <a:r>
+              <a:rPr lang="en-US" dirty="0" err="1" smtClean="0">
+                <a:latin typeface="Courier New"/>
+                <a:cs typeface="Courier New"/>
+              </a:rPr>
+              <a:t>qual</a:t>
+            </a:r>
+            <a:r>
+              <a:rPr lang="en-US" dirty="0" smtClean="0">
+                <a:latin typeface="Courier New"/>
+                <a:cs typeface="Courier New"/>
+              </a:rPr>
+              <a:t> &gt; 1000</a:t>
+            </a:r>
+          </a:p>
+          <a:p>
+            <a:pPr marL="0" indent="0">
+              <a:buNone/>
+            </a:pPr>
+            <a:r>
+              <a:rPr lang="en-US" dirty="0" smtClean="0">
+                <a:latin typeface="Courier New"/>
+                <a:cs typeface="Courier New"/>
+              </a:rPr>
+              <a:t>AND filter = ‘PASS’</a:t>
+            </a:r>
+          </a:p>
+          <a:p>
+            <a:pPr marL="0" indent="0">
+              <a:buNone/>
+            </a:pPr>
+            <a:r>
+              <a:rPr lang="en-US" dirty="0" smtClean="0">
+                <a:latin typeface="Courier New"/>
+                <a:cs typeface="Courier New"/>
+              </a:rPr>
+              <a:t>)</a:t>
+            </a:r>
+          </a:p>
+          <a:p>
+            <a:pPr marL="0" indent="0">
+              <a:buNone/>
+            </a:pPr>
+            <a:r>
+              <a:rPr lang="en-US" dirty="0" smtClean="0">
+                <a:latin typeface="Courier New"/>
+                <a:cs typeface="Courier New"/>
+              </a:rPr>
+              <a:t>-- we want back everything from the </a:t>
+            </a:r>
+            <a:r>
+              <a:rPr lang="en-US" dirty="0" err="1" smtClean="0">
+                <a:latin typeface="Courier New"/>
+                <a:cs typeface="Courier New"/>
+              </a:rPr>
+              <a:t>vars</a:t>
+            </a:r>
+            <a:r>
+              <a:rPr lang="en-US" dirty="0" smtClean="0">
+                <a:latin typeface="Courier New"/>
+                <a:cs typeface="Courier New"/>
+              </a:rPr>
+              <a:t> t-table</a:t>
+            </a:r>
+          </a:p>
+          <a:p>
+            <a:pPr marL="0" indent="0">
+              <a:buNone/>
+            </a:pPr>
+            <a:r>
+              <a:rPr lang="en-US" dirty="0" smtClean="0">
+                <a:latin typeface="Courier New"/>
+                <a:cs typeface="Courier New"/>
+              </a:rPr>
+              <a:t>-- we want back just the annotations from </a:t>
+            </a:r>
+            <a:r>
+              <a:rPr lang="en-US" dirty="0" err="1" smtClean="0">
+                <a:latin typeface="Courier New"/>
+                <a:cs typeface="Courier New"/>
+              </a:rPr>
+              <a:t>global_vars</a:t>
+            </a:r>
+            <a:endParaRPr lang="en-US" dirty="0">
+              <a:latin typeface="Courier New"/>
+              <a:cs typeface="Courier New"/>
+            </a:endParaRPr>
+          </a:p>
+          <a:p>
+            <a:pPr marL="0" indent="0">
+              <a:buNone/>
+            </a:pPr>
+            <a:r>
+              <a:rPr lang="en-US" dirty="0" smtClean="0">
+                <a:latin typeface="Courier New"/>
+                <a:cs typeface="Courier New"/>
+              </a:rPr>
+              <a:t>SELECT vars.*, </a:t>
+            </a:r>
+            <a:r>
+              <a:rPr lang="en-US" dirty="0" err="1" smtClean="0">
+                <a:latin typeface="Courier New"/>
+                <a:cs typeface="Courier New"/>
+              </a:rPr>
+              <a:t>gv.strand</a:t>
+            </a:r>
+            <a:r>
+              <a:rPr lang="en-US" dirty="0" smtClean="0">
+                <a:latin typeface="Courier New"/>
+                <a:cs typeface="Courier New"/>
+              </a:rPr>
+              <a:t>, </a:t>
+            </a:r>
+            <a:r>
+              <a:rPr lang="en-US" dirty="0" err="1" smtClean="0">
+                <a:latin typeface="Courier New"/>
+                <a:cs typeface="Courier New"/>
+              </a:rPr>
+              <a:t>gv.gene_name</a:t>
+            </a:r>
+            <a:r>
+              <a:rPr lang="en-US" dirty="0" smtClean="0">
+                <a:latin typeface="Courier New"/>
+                <a:cs typeface="Courier New"/>
+              </a:rPr>
+              <a:t>, </a:t>
+            </a:r>
+            <a:r>
+              <a:rPr lang="en-US" dirty="0" err="1" smtClean="0">
+                <a:latin typeface="Courier New"/>
+                <a:cs typeface="Courier New"/>
+              </a:rPr>
+              <a:t>gv.gene_id</a:t>
+            </a:r>
+            <a:r>
+              <a:rPr lang="en-US" dirty="0" smtClean="0">
+                <a:latin typeface="Courier New"/>
+                <a:cs typeface="Courier New"/>
+              </a:rPr>
+              <a:t>, </a:t>
+            </a:r>
+            <a:r>
+              <a:rPr lang="en-US" dirty="0" err="1" smtClean="0">
+                <a:latin typeface="Courier New"/>
+                <a:cs typeface="Courier New"/>
+              </a:rPr>
+              <a:t>gv.transcript_name</a:t>
+            </a:r>
+            <a:r>
+              <a:rPr lang="en-US" dirty="0" smtClean="0">
+                <a:latin typeface="Courier New"/>
+                <a:cs typeface="Courier New"/>
+              </a:rPr>
+              <a:t>, </a:t>
+            </a:r>
+            <a:r>
+              <a:rPr lang="en-US" dirty="0" err="1" smtClean="0">
+                <a:latin typeface="Courier New"/>
+                <a:cs typeface="Courier New"/>
+              </a:rPr>
+              <a:t>gv.transcript_id</a:t>
+            </a:r>
+            <a:r>
+              <a:rPr lang="en-US" dirty="0" smtClean="0">
+                <a:latin typeface="Courier New"/>
+                <a:cs typeface="Courier New"/>
+              </a:rPr>
+              <a:t>, </a:t>
+            </a:r>
+            <a:r>
+              <a:rPr lang="en-US" dirty="0" err="1" smtClean="0">
+                <a:latin typeface="Courier New"/>
+                <a:cs typeface="Courier New"/>
+              </a:rPr>
+              <a:t>gv.clin_sig</a:t>
+            </a:r>
+            <a:r>
+              <a:rPr lang="en-US" dirty="0" smtClean="0">
+                <a:latin typeface="Courier New"/>
+                <a:cs typeface="Courier New"/>
+              </a:rPr>
+              <a:t>, </a:t>
+            </a:r>
+            <a:r>
+              <a:rPr lang="en-US" dirty="0" err="1" smtClean="0">
+                <a:latin typeface="Courier New"/>
+                <a:cs typeface="Courier New"/>
+              </a:rPr>
+              <a:t>gv.clin_dbn</a:t>
+            </a:r>
+            <a:r>
+              <a:rPr lang="en-US" dirty="0" smtClean="0">
+                <a:latin typeface="Courier New"/>
+                <a:cs typeface="Courier New"/>
+              </a:rPr>
+              <a:t>, </a:t>
+            </a:r>
+            <a:r>
+              <a:rPr lang="en-US" dirty="0" err="1" smtClean="0">
+                <a:latin typeface="Courier New"/>
+                <a:cs typeface="Courier New"/>
+              </a:rPr>
+              <a:t>gv.kav_freq</a:t>
+            </a:r>
+            <a:r>
+              <a:rPr lang="en-US" dirty="0" smtClean="0">
+                <a:latin typeface="Courier New"/>
+                <a:cs typeface="Courier New"/>
+              </a:rPr>
+              <a:t>, </a:t>
+            </a:r>
+            <a:r>
+              <a:rPr lang="en-US" dirty="0" err="1" smtClean="0">
+                <a:latin typeface="Courier New"/>
+                <a:cs typeface="Courier New"/>
+              </a:rPr>
+              <a:t>gv.kav_source</a:t>
+            </a:r>
+            <a:r>
+              <a:rPr lang="en-US" dirty="0" smtClean="0">
+                <a:latin typeface="Courier New"/>
+                <a:cs typeface="Courier New"/>
+              </a:rPr>
+              <a:t>, </a:t>
+            </a:r>
+            <a:r>
+              <a:rPr lang="en-US" dirty="0" err="1" smtClean="0">
+                <a:latin typeface="Courier New"/>
+                <a:cs typeface="Courier New"/>
+              </a:rPr>
+              <a:t>gv.dbsnp_build</a:t>
+            </a:r>
+            <a:r>
+              <a:rPr lang="en-US" dirty="0" smtClean="0">
+                <a:latin typeface="Courier New"/>
+                <a:cs typeface="Courier New"/>
+              </a:rPr>
+              <a:t>, </a:t>
+            </a:r>
+            <a:r>
+              <a:rPr lang="en-US" dirty="0" err="1" smtClean="0">
+                <a:latin typeface="Courier New"/>
+                <a:cs typeface="Courier New"/>
+              </a:rPr>
+              <a:t>gv.var_type</a:t>
+            </a:r>
+            <a:r>
+              <a:rPr lang="en-US" dirty="0" smtClean="0">
+                <a:latin typeface="Courier New"/>
+                <a:cs typeface="Courier New"/>
+              </a:rPr>
+              <a:t>, </a:t>
+            </a:r>
+            <a:r>
+              <a:rPr lang="en-US" dirty="0" err="1" smtClean="0">
+                <a:latin typeface="Courier New"/>
+                <a:cs typeface="Courier New"/>
+              </a:rPr>
+              <a:t>gv.cadd_raw</a:t>
+            </a:r>
+            <a:r>
+              <a:rPr lang="en-US" dirty="0" smtClean="0">
+                <a:latin typeface="Courier New"/>
+                <a:cs typeface="Courier New"/>
+              </a:rPr>
+              <a:t>, </a:t>
+            </a:r>
+            <a:r>
+              <a:rPr lang="en-US" dirty="0" err="1" smtClean="0">
+                <a:latin typeface="Courier New"/>
+                <a:cs typeface="Courier New"/>
+              </a:rPr>
+              <a:t>gv.dann_score</a:t>
+            </a:r>
+            <a:r>
+              <a:rPr lang="en-US" dirty="0" smtClean="0">
+                <a:latin typeface="Courier New"/>
+                <a:cs typeface="Courier New"/>
+              </a:rPr>
+              <a:t>, </a:t>
+            </a:r>
+            <a:r>
+              <a:rPr lang="en-US" dirty="0" err="1" smtClean="0">
+                <a:latin typeface="Courier New"/>
+                <a:cs typeface="Courier New"/>
+              </a:rPr>
+              <a:t>gv.interpro_domain</a:t>
+            </a:r>
+            <a:endParaRPr lang="en-US" dirty="0" smtClean="0">
+              <a:latin typeface="Courier New"/>
+              <a:cs typeface="Courier New"/>
+            </a:endParaRPr>
+          </a:p>
+          <a:p>
+            <a:pPr marL="0" indent="0">
+              <a:buNone/>
+            </a:pPr>
+            <a:r>
+              <a:rPr lang="en-US" dirty="0" smtClean="0">
+                <a:latin typeface="Courier New"/>
+                <a:cs typeface="Courier New"/>
+              </a:rPr>
+              <a:t>FROM </a:t>
+            </a:r>
+            <a:r>
+              <a:rPr lang="en-US" dirty="0" err="1" smtClean="0">
+                <a:latin typeface="Courier New"/>
+                <a:cs typeface="Courier New"/>
+              </a:rPr>
+              <a:t>vars</a:t>
+            </a:r>
+            <a:r>
+              <a:rPr lang="en-US" dirty="0" smtClean="0">
+                <a:latin typeface="Courier New"/>
+                <a:cs typeface="Courier New"/>
+              </a:rPr>
+              <a:t>, </a:t>
+            </a:r>
+            <a:r>
+              <a:rPr lang="en-US" dirty="0" err="1" smtClean="0">
+                <a:latin typeface="Courier New"/>
+                <a:cs typeface="Courier New"/>
+              </a:rPr>
+              <a:t>training.global_vars</a:t>
+            </a:r>
+            <a:r>
+              <a:rPr lang="en-US" dirty="0" smtClean="0">
+                <a:latin typeface="Courier New"/>
+                <a:cs typeface="Courier New"/>
+              </a:rPr>
+              <a:t> as </a:t>
+            </a:r>
+            <a:r>
+              <a:rPr lang="en-US" dirty="0" err="1" smtClean="0">
+                <a:latin typeface="Courier New"/>
+                <a:cs typeface="Courier New"/>
+              </a:rPr>
+              <a:t>gv</a:t>
+            </a:r>
+            <a:endParaRPr lang="en-US" dirty="0" smtClean="0">
+              <a:latin typeface="Courier New"/>
+              <a:cs typeface="Courier New"/>
+            </a:endParaRPr>
+          </a:p>
+          <a:p>
+            <a:pPr marL="0" indent="0">
+              <a:buNone/>
+            </a:pPr>
+            <a:r>
+              <a:rPr lang="en-US" b="1" dirty="0" smtClean="0">
+                <a:latin typeface="Courier New"/>
+                <a:cs typeface="Courier New"/>
+              </a:rPr>
+              <a:t>WHERE </a:t>
+            </a:r>
+            <a:r>
+              <a:rPr lang="en-US" b="1" dirty="0" err="1" smtClean="0">
+                <a:latin typeface="Courier New"/>
+                <a:cs typeface="Courier New"/>
+              </a:rPr>
+              <a:t>vars.chrom</a:t>
+            </a:r>
+            <a:r>
+              <a:rPr lang="en-US" b="1" dirty="0" smtClean="0">
+                <a:latin typeface="Courier New"/>
+                <a:cs typeface="Courier New"/>
+              </a:rPr>
+              <a:t> = </a:t>
+            </a:r>
+            <a:r>
+              <a:rPr lang="en-US" b="1" dirty="0" err="1" smtClean="0">
+                <a:latin typeface="Courier New"/>
+                <a:cs typeface="Courier New"/>
+              </a:rPr>
+              <a:t>gv.chrom</a:t>
+            </a:r>
+            <a:endParaRPr lang="en-US" b="1" dirty="0" smtClean="0">
+              <a:latin typeface="Courier New"/>
+              <a:cs typeface="Courier New"/>
+            </a:endParaRPr>
+          </a:p>
+          <a:p>
+            <a:pPr marL="0" indent="0">
+              <a:buNone/>
+            </a:pPr>
+            <a:r>
+              <a:rPr lang="en-US" b="1" dirty="0" smtClean="0">
+                <a:latin typeface="Courier New"/>
+                <a:cs typeface="Courier New"/>
+              </a:rPr>
+              <a:t>AND </a:t>
+            </a:r>
+            <a:r>
+              <a:rPr lang="en-US" b="1" dirty="0" err="1" smtClean="0">
+                <a:latin typeface="Courier New"/>
+                <a:cs typeface="Courier New"/>
+              </a:rPr>
+              <a:t>vars.pos</a:t>
+            </a:r>
+            <a:r>
+              <a:rPr lang="en-US" b="1" dirty="0" smtClean="0">
+                <a:latin typeface="Courier New"/>
+                <a:cs typeface="Courier New"/>
+              </a:rPr>
+              <a:t> = </a:t>
+            </a:r>
+            <a:r>
+              <a:rPr lang="en-US" b="1" dirty="0" err="1" smtClean="0">
+                <a:latin typeface="Courier New"/>
+                <a:cs typeface="Courier New"/>
+              </a:rPr>
+              <a:t>gv.pos</a:t>
+            </a:r>
+            <a:endParaRPr lang="en-US" b="1" dirty="0" smtClean="0">
+              <a:latin typeface="Courier New"/>
+              <a:cs typeface="Courier New"/>
+            </a:endParaRPr>
+          </a:p>
+          <a:p>
+            <a:pPr marL="0" indent="0">
+              <a:buNone/>
+            </a:pPr>
+            <a:r>
+              <a:rPr lang="en-US" b="1" dirty="0" smtClean="0">
+                <a:latin typeface="Courier New"/>
+                <a:cs typeface="Courier New"/>
+              </a:rPr>
+              <a:t>AND </a:t>
+            </a:r>
+            <a:r>
+              <a:rPr lang="en-US" b="1" dirty="0" err="1" smtClean="0">
+                <a:latin typeface="Courier New"/>
+                <a:cs typeface="Courier New"/>
+              </a:rPr>
+              <a:t>vars.ref</a:t>
+            </a:r>
+            <a:r>
+              <a:rPr lang="en-US" b="1" dirty="0" smtClean="0">
+                <a:latin typeface="Courier New"/>
+                <a:cs typeface="Courier New"/>
+              </a:rPr>
+              <a:t> = </a:t>
+            </a:r>
+            <a:r>
+              <a:rPr lang="en-US" b="1" dirty="0" err="1" smtClean="0">
+                <a:latin typeface="Courier New"/>
+                <a:cs typeface="Courier New"/>
+              </a:rPr>
+              <a:t>gv.ref</a:t>
+            </a:r>
+            <a:endParaRPr lang="en-US" b="1" dirty="0" smtClean="0">
+              <a:latin typeface="Courier New"/>
+              <a:cs typeface="Courier New"/>
+            </a:endParaRPr>
+          </a:p>
+          <a:p>
+            <a:pPr marL="0" indent="0">
+              <a:buNone/>
+            </a:pPr>
+            <a:r>
+              <a:rPr lang="en-US" b="1" dirty="0" smtClean="0">
+                <a:latin typeface="Courier New"/>
+                <a:cs typeface="Courier New"/>
+              </a:rPr>
+              <a:t>AND </a:t>
+            </a:r>
+            <a:r>
+              <a:rPr lang="en-US" b="1" dirty="0" err="1" smtClean="0">
+                <a:latin typeface="Courier New"/>
+                <a:cs typeface="Courier New"/>
+              </a:rPr>
+              <a:t>vars.alt</a:t>
+            </a:r>
+            <a:r>
+              <a:rPr lang="en-US" b="1" dirty="0" smtClean="0">
+                <a:latin typeface="Courier New"/>
+                <a:cs typeface="Courier New"/>
+              </a:rPr>
+              <a:t> = </a:t>
+            </a:r>
+            <a:r>
+              <a:rPr lang="en-US" b="1" dirty="0" err="1" smtClean="0">
+                <a:latin typeface="Courier New"/>
+                <a:cs typeface="Courier New"/>
+              </a:rPr>
+              <a:t>gv.alt</a:t>
+            </a:r>
+            <a:endParaRPr lang="en-US" b="1" dirty="0" smtClean="0">
+              <a:latin typeface="Courier New"/>
+              <a:cs typeface="Courier New"/>
+            </a:endParaRPr>
+          </a:p>
+          <a:p>
+            <a:pPr marL="0" indent="0">
+              <a:buNone/>
+            </a:pPr>
+            <a:endParaRPr lang="en-US" dirty="0" smtClean="0">
+              <a:latin typeface="Courier New"/>
+              <a:cs typeface="Courier New"/>
+            </a:endParaRPr>
+          </a:p>
+          <a:p>
+            <a:pPr marL="0" indent="0">
+              <a:buNone/>
+            </a:pPr>
+            <a:endParaRPr lang="en-US" dirty="0"/>
+          </a:p>
+        </p:txBody>
+      </p:sp>
+    </p:spTree>
+    <p:extLst>
+      <p:ext uri="{BB962C8B-B14F-4D97-AF65-F5344CB8AC3E}">
+        <p14:creationId xmlns:p14="http://schemas.microsoft.com/office/powerpoint/2010/main" val="1877518464"/>
+      </p:ext>
+    </p:extLst>
+  </p:cSld>
+  <p:clrMapOvr>
+    <a:masterClrMapping/>
+  </p:clrMapOvr>
+</p:sld>
+</file>
+
+<file path=ppt/slides/slide23.xml><?xml version="1.0" encoding="utf-8"?>
+<p:sld xmlns:a="http://schemas.openxmlformats.org/drawingml/2006/main" xmlns:r="http://schemas.openxmlformats.org/officeDocument/2006/relationships" xmlns:p="http://schemas.openxmlformats.org/presentationml/2006/main">
+  <p:cSld>
+    <p:spTree>
+      <p:nvGrpSpPr>
+        <p:cNvPr id="1" name=""/>
+        <p:cNvGrpSpPr/>
+        <p:nvPr/>
+      </p:nvGrpSpPr>
+      <p:grpSpPr>
+        <a:xfrm>
+          <a:off x="0" y="0"/>
+          <a:ext cx="0" cy="0"/>
+          <a:chOff x="0" y="0"/>
+          <a:chExt cx="0" cy="0"/>
+        </a:xfrm>
+      </p:grpSpPr>
+      <p:sp>
+        <p:nvSpPr>
+          <p:cNvPr id="2" name="Title 1"/>
+          <p:cNvSpPr>
+            <a:spLocks noGrp="1"/>
+          </p:cNvSpPr>
+          <p:nvPr>
+            <p:ph type="title"/>
+          </p:nvPr>
+        </p:nvSpPr>
+        <p:spPr/>
+        <p:txBody>
+          <a:bodyPr/>
+          <a:lstStyle/>
+          <a:p>
+            <a:r>
+              <a:rPr lang="en-US" dirty="0" smtClean="0"/>
+              <a:t>Filter Variants</a:t>
+            </a:r>
+            <a:endParaRPr lang="en-US" dirty="0"/>
+          </a:p>
+        </p:txBody>
+      </p:sp>
+      <p:sp>
+        <p:nvSpPr>
+          <p:cNvPr id="3" name="Content Placeholder 2"/>
+          <p:cNvSpPr>
+            <a:spLocks noGrp="1"/>
+          </p:cNvSpPr>
+          <p:nvPr>
+            <p:ph idx="1"/>
+          </p:nvPr>
+        </p:nvSpPr>
+        <p:spPr/>
+        <p:txBody>
+          <a:bodyPr>
+            <a:normAutofit fontScale="40000" lnSpcReduction="20000"/>
+          </a:bodyPr>
+          <a:lstStyle/>
+          <a:p>
+            <a:pPr marL="0" indent="0">
+              <a:buNone/>
+            </a:pPr>
+            <a:r>
+              <a:rPr lang="en-US" dirty="0" smtClean="0"/>
+              <a:t>Now we can take it a step further and chose to return only variants that are either marked as significant in </a:t>
+            </a:r>
+            <a:r>
+              <a:rPr lang="en-US" dirty="0" err="1" smtClean="0"/>
+              <a:t>ClinVar</a:t>
+            </a:r>
+            <a:r>
+              <a:rPr lang="en-US" dirty="0" smtClean="0"/>
+              <a:t>: </a:t>
+            </a:r>
+            <a:endParaRPr lang="en-US" dirty="0" smtClean="0"/>
+          </a:p>
+          <a:p>
+            <a:pPr marL="0" indent="0">
+              <a:buNone/>
+            </a:pPr>
+            <a:endParaRPr lang="en-US" dirty="0" smtClean="0"/>
+          </a:p>
+          <a:p>
+            <a:pPr marL="0" indent="0">
+              <a:buNone/>
+            </a:pPr>
+            <a:r>
+              <a:rPr lang="en-US" dirty="0" smtClean="0">
+                <a:latin typeface="Courier New"/>
+                <a:cs typeface="Courier New"/>
+              </a:rPr>
+              <a:t>WITH </a:t>
+            </a:r>
+            <a:r>
+              <a:rPr lang="en-US" dirty="0" err="1" smtClean="0">
+                <a:latin typeface="Courier New"/>
+                <a:cs typeface="Courier New"/>
+              </a:rPr>
+              <a:t>vars</a:t>
+            </a:r>
+            <a:r>
+              <a:rPr lang="en-US" dirty="0" smtClean="0">
+                <a:latin typeface="Courier New"/>
+                <a:cs typeface="Courier New"/>
+              </a:rPr>
+              <a:t> as (</a:t>
+            </a:r>
+          </a:p>
+          <a:p>
+            <a:pPr marL="0" indent="0">
+              <a:buNone/>
+            </a:pPr>
+            <a:r>
+              <a:rPr lang="en-US" dirty="0" smtClean="0">
+                <a:latin typeface="Courier New"/>
+                <a:cs typeface="Courier New"/>
+              </a:rPr>
+              <a:t>SELECT *</a:t>
+            </a:r>
+          </a:p>
+          <a:p>
+            <a:pPr marL="0" indent="0">
+              <a:buNone/>
+            </a:pPr>
+            <a:r>
+              <a:rPr lang="en-US" dirty="0" smtClean="0">
+                <a:latin typeface="Courier New"/>
+                <a:cs typeface="Courier New"/>
+              </a:rPr>
+              <a:t>from </a:t>
+            </a:r>
+            <a:r>
+              <a:rPr lang="en-US" dirty="0" err="1" smtClean="0">
+                <a:latin typeface="Courier New"/>
+                <a:cs typeface="Courier New"/>
+              </a:rPr>
+              <a:t>training.illumina_vars</a:t>
+            </a:r>
+            <a:endParaRPr lang="en-US" dirty="0" smtClean="0">
+              <a:latin typeface="Courier New"/>
+              <a:cs typeface="Courier New"/>
+            </a:endParaRPr>
+          </a:p>
+          <a:p>
+            <a:pPr marL="0" indent="0">
+              <a:buNone/>
+            </a:pPr>
+            <a:r>
+              <a:rPr lang="en-US" dirty="0" smtClean="0">
+                <a:latin typeface="Courier New"/>
+                <a:cs typeface="Courier New"/>
+              </a:rPr>
+              <a:t>WHERE </a:t>
+            </a:r>
+            <a:r>
+              <a:rPr lang="en-US" dirty="0" err="1" smtClean="0">
+                <a:latin typeface="Courier New"/>
+                <a:cs typeface="Courier New"/>
+              </a:rPr>
+              <a:t>qual</a:t>
+            </a:r>
+            <a:r>
+              <a:rPr lang="en-US" dirty="0" smtClean="0">
+                <a:latin typeface="Courier New"/>
+                <a:cs typeface="Courier New"/>
+              </a:rPr>
+              <a:t> &gt; 1000</a:t>
+            </a:r>
+          </a:p>
+          <a:p>
+            <a:pPr marL="0" indent="0">
+              <a:buNone/>
+            </a:pPr>
+            <a:r>
+              <a:rPr lang="en-US" dirty="0" smtClean="0">
+                <a:latin typeface="Courier New"/>
+                <a:cs typeface="Courier New"/>
+              </a:rPr>
+              <a:t>AND filter = ‘PASS’</a:t>
+            </a:r>
+          </a:p>
+          <a:p>
+            <a:pPr marL="0" indent="0">
+              <a:buNone/>
+            </a:pPr>
+            <a:r>
+              <a:rPr lang="en-US" dirty="0" smtClean="0">
+                <a:latin typeface="Courier New"/>
+                <a:cs typeface="Courier New"/>
+              </a:rPr>
+              <a:t>)</a:t>
+            </a:r>
+          </a:p>
+          <a:p>
+            <a:pPr marL="0" indent="0">
+              <a:buNone/>
+            </a:pPr>
+            <a:r>
+              <a:rPr lang="en-US" dirty="0" smtClean="0">
+                <a:latin typeface="Courier New"/>
+                <a:cs typeface="Courier New"/>
+              </a:rPr>
+              <a:t>-- we want back everything from the </a:t>
+            </a:r>
+            <a:r>
+              <a:rPr lang="en-US" dirty="0" err="1" smtClean="0">
+                <a:latin typeface="Courier New"/>
+                <a:cs typeface="Courier New"/>
+              </a:rPr>
+              <a:t>vars</a:t>
+            </a:r>
+            <a:r>
+              <a:rPr lang="en-US" dirty="0" smtClean="0">
+                <a:latin typeface="Courier New"/>
+                <a:cs typeface="Courier New"/>
+              </a:rPr>
+              <a:t> t-table</a:t>
+            </a:r>
+          </a:p>
+          <a:p>
+            <a:pPr marL="0" indent="0">
+              <a:buNone/>
+            </a:pPr>
+            <a:r>
+              <a:rPr lang="en-US" dirty="0" smtClean="0">
+                <a:latin typeface="Courier New"/>
+                <a:cs typeface="Courier New"/>
+              </a:rPr>
+              <a:t>-- we want back just the annotations from </a:t>
+            </a:r>
+            <a:r>
+              <a:rPr lang="en-US" dirty="0" err="1" smtClean="0">
+                <a:latin typeface="Courier New"/>
+                <a:cs typeface="Courier New"/>
+              </a:rPr>
+              <a:t>global_vars</a:t>
+            </a:r>
+            <a:endParaRPr lang="en-US" dirty="0">
+              <a:latin typeface="Courier New"/>
+              <a:cs typeface="Courier New"/>
+            </a:endParaRPr>
+          </a:p>
+          <a:p>
+            <a:pPr marL="0" indent="0">
+              <a:buNone/>
+            </a:pPr>
+            <a:r>
+              <a:rPr lang="en-US" dirty="0" smtClean="0">
+                <a:latin typeface="Courier New"/>
+                <a:cs typeface="Courier New"/>
+              </a:rPr>
+              <a:t>SELECT vars.*, </a:t>
+            </a:r>
+            <a:r>
+              <a:rPr lang="en-US" dirty="0" err="1" smtClean="0">
+                <a:latin typeface="Courier New"/>
+                <a:cs typeface="Courier New"/>
+              </a:rPr>
+              <a:t>gv.strand</a:t>
+            </a:r>
+            <a:r>
+              <a:rPr lang="en-US" dirty="0" smtClean="0">
+                <a:latin typeface="Courier New"/>
+                <a:cs typeface="Courier New"/>
+              </a:rPr>
+              <a:t>, </a:t>
+            </a:r>
+            <a:r>
+              <a:rPr lang="en-US" dirty="0" err="1" smtClean="0">
+                <a:latin typeface="Courier New"/>
+                <a:cs typeface="Courier New"/>
+              </a:rPr>
+              <a:t>gv.gene_name</a:t>
+            </a:r>
+            <a:r>
+              <a:rPr lang="en-US" dirty="0" smtClean="0">
+                <a:latin typeface="Courier New"/>
+                <a:cs typeface="Courier New"/>
+              </a:rPr>
+              <a:t>, </a:t>
+            </a:r>
+            <a:r>
+              <a:rPr lang="en-US" dirty="0" err="1" smtClean="0">
+                <a:latin typeface="Courier New"/>
+                <a:cs typeface="Courier New"/>
+              </a:rPr>
+              <a:t>gv.gene_id</a:t>
+            </a:r>
+            <a:r>
+              <a:rPr lang="en-US" dirty="0" smtClean="0">
+                <a:latin typeface="Courier New"/>
+                <a:cs typeface="Courier New"/>
+              </a:rPr>
+              <a:t>, </a:t>
+            </a:r>
+            <a:r>
+              <a:rPr lang="en-US" dirty="0" err="1" smtClean="0">
+                <a:latin typeface="Courier New"/>
+                <a:cs typeface="Courier New"/>
+              </a:rPr>
+              <a:t>gv.transcript_name</a:t>
+            </a:r>
+            <a:r>
+              <a:rPr lang="en-US" dirty="0" smtClean="0">
+                <a:latin typeface="Courier New"/>
+                <a:cs typeface="Courier New"/>
+              </a:rPr>
+              <a:t>, </a:t>
+            </a:r>
+            <a:r>
+              <a:rPr lang="en-US" dirty="0" err="1" smtClean="0">
+                <a:latin typeface="Courier New"/>
+                <a:cs typeface="Courier New"/>
+              </a:rPr>
+              <a:t>gv.transcript_id</a:t>
+            </a:r>
+            <a:r>
+              <a:rPr lang="en-US" dirty="0" smtClean="0">
+                <a:latin typeface="Courier New"/>
+                <a:cs typeface="Courier New"/>
+              </a:rPr>
+              <a:t>, </a:t>
+            </a:r>
+            <a:r>
+              <a:rPr lang="en-US" dirty="0" err="1" smtClean="0">
+                <a:latin typeface="Courier New"/>
+                <a:cs typeface="Courier New"/>
+              </a:rPr>
+              <a:t>gv.clin_sig</a:t>
+            </a:r>
+            <a:r>
+              <a:rPr lang="en-US" dirty="0" smtClean="0">
+                <a:latin typeface="Courier New"/>
+                <a:cs typeface="Courier New"/>
+              </a:rPr>
+              <a:t>,</a:t>
+            </a:r>
+          </a:p>
+          <a:p>
+            <a:pPr marL="0" indent="0">
+              <a:buNone/>
+            </a:pPr>
+            <a:r>
+              <a:rPr lang="en-US" dirty="0" smtClean="0">
+                <a:latin typeface="Courier New"/>
+                <a:cs typeface="Courier New"/>
+              </a:rPr>
+              <a:t>   </a:t>
+            </a:r>
+            <a:r>
+              <a:rPr lang="en-US" dirty="0" err="1" smtClean="0">
+                <a:latin typeface="Courier New"/>
+                <a:cs typeface="Courier New"/>
+              </a:rPr>
+              <a:t>gv.clin_dbn</a:t>
+            </a:r>
+            <a:r>
+              <a:rPr lang="en-US" dirty="0" smtClean="0">
+                <a:latin typeface="Courier New"/>
+                <a:cs typeface="Courier New"/>
+              </a:rPr>
+              <a:t>, </a:t>
+            </a:r>
+            <a:r>
+              <a:rPr lang="en-US" dirty="0" err="1" smtClean="0">
+                <a:latin typeface="Courier New"/>
+                <a:cs typeface="Courier New"/>
+              </a:rPr>
+              <a:t>gv.kav_freq</a:t>
+            </a:r>
+            <a:r>
+              <a:rPr lang="en-US" dirty="0" smtClean="0">
+                <a:latin typeface="Courier New"/>
+                <a:cs typeface="Courier New"/>
+              </a:rPr>
+              <a:t>, </a:t>
+            </a:r>
+            <a:r>
+              <a:rPr lang="en-US" dirty="0" err="1" smtClean="0">
+                <a:latin typeface="Courier New"/>
+                <a:cs typeface="Courier New"/>
+              </a:rPr>
+              <a:t>gv.kav_source</a:t>
+            </a:r>
+            <a:r>
+              <a:rPr lang="en-US" dirty="0" smtClean="0">
+                <a:latin typeface="Courier New"/>
+                <a:cs typeface="Courier New"/>
+              </a:rPr>
+              <a:t>, </a:t>
+            </a:r>
+            <a:r>
+              <a:rPr lang="en-US" dirty="0" err="1" smtClean="0">
+                <a:latin typeface="Courier New"/>
+                <a:cs typeface="Courier New"/>
+              </a:rPr>
+              <a:t>gv.dbsnp_build</a:t>
+            </a:r>
+            <a:r>
+              <a:rPr lang="en-US" dirty="0" smtClean="0">
+                <a:latin typeface="Courier New"/>
+                <a:cs typeface="Courier New"/>
+              </a:rPr>
+              <a:t>, </a:t>
+            </a:r>
+            <a:r>
+              <a:rPr lang="en-US" dirty="0" err="1" smtClean="0">
+                <a:latin typeface="Courier New"/>
+                <a:cs typeface="Courier New"/>
+              </a:rPr>
+              <a:t>gv.var_type</a:t>
+            </a:r>
+            <a:r>
+              <a:rPr lang="en-US" dirty="0" smtClean="0">
+                <a:latin typeface="Courier New"/>
+                <a:cs typeface="Courier New"/>
+              </a:rPr>
+              <a:t>, </a:t>
+            </a:r>
+            <a:r>
+              <a:rPr lang="en-US" dirty="0" err="1" smtClean="0">
+                <a:latin typeface="Courier New"/>
+                <a:cs typeface="Courier New"/>
+              </a:rPr>
+              <a:t>gv.cadd_raw</a:t>
+            </a:r>
+            <a:r>
+              <a:rPr lang="en-US" dirty="0" smtClean="0">
+                <a:latin typeface="Courier New"/>
+                <a:cs typeface="Courier New"/>
+              </a:rPr>
+              <a:t>, </a:t>
+            </a:r>
+            <a:r>
+              <a:rPr lang="en-US" dirty="0" err="1" smtClean="0">
+                <a:latin typeface="Courier New"/>
+                <a:cs typeface="Courier New"/>
+              </a:rPr>
+              <a:t>gv.dann_score</a:t>
+            </a:r>
+            <a:r>
+              <a:rPr lang="en-US" dirty="0" smtClean="0">
+                <a:latin typeface="Courier New"/>
+                <a:cs typeface="Courier New"/>
+              </a:rPr>
+              <a:t>,  </a:t>
+            </a:r>
+          </a:p>
+          <a:p>
+            <a:pPr marL="0" indent="0">
+              <a:buNone/>
+            </a:pPr>
+            <a:r>
+              <a:rPr lang="en-US" dirty="0">
+                <a:latin typeface="Courier New"/>
+                <a:cs typeface="Courier New"/>
+              </a:rPr>
+              <a:t> </a:t>
+            </a:r>
+            <a:r>
+              <a:rPr lang="en-US" dirty="0" smtClean="0">
+                <a:latin typeface="Courier New"/>
+                <a:cs typeface="Courier New"/>
+              </a:rPr>
+              <a:t>  </a:t>
+            </a:r>
+            <a:r>
+              <a:rPr lang="en-US" dirty="0" err="1" smtClean="0">
+                <a:latin typeface="Courier New"/>
+                <a:cs typeface="Courier New"/>
+              </a:rPr>
+              <a:t>gv.interpro_domain</a:t>
+            </a:r>
+            <a:endParaRPr lang="en-US" dirty="0" smtClean="0">
+              <a:latin typeface="Courier New"/>
+              <a:cs typeface="Courier New"/>
+            </a:endParaRPr>
+          </a:p>
+          <a:p>
+            <a:pPr marL="0" indent="0">
+              <a:buNone/>
+            </a:pPr>
+            <a:r>
+              <a:rPr lang="en-US" dirty="0" smtClean="0">
+                <a:latin typeface="Courier New"/>
+                <a:cs typeface="Courier New"/>
+              </a:rPr>
+              <a:t>FROM </a:t>
+            </a:r>
+            <a:r>
+              <a:rPr lang="en-US" dirty="0" err="1" smtClean="0">
+                <a:latin typeface="Courier New"/>
+                <a:cs typeface="Courier New"/>
+              </a:rPr>
+              <a:t>vars</a:t>
+            </a:r>
+            <a:r>
+              <a:rPr lang="en-US" dirty="0" smtClean="0">
+                <a:latin typeface="Courier New"/>
+                <a:cs typeface="Courier New"/>
+              </a:rPr>
+              <a:t>, </a:t>
+            </a:r>
+            <a:r>
+              <a:rPr lang="en-US" dirty="0" err="1" smtClean="0">
+                <a:latin typeface="Courier New"/>
+                <a:cs typeface="Courier New"/>
+              </a:rPr>
+              <a:t>training.global_vars</a:t>
+            </a:r>
+            <a:r>
+              <a:rPr lang="en-US" dirty="0" smtClean="0">
+                <a:latin typeface="Courier New"/>
+                <a:cs typeface="Courier New"/>
+              </a:rPr>
+              <a:t> as </a:t>
+            </a:r>
+            <a:r>
+              <a:rPr lang="en-US" dirty="0" err="1" smtClean="0">
+                <a:latin typeface="Courier New"/>
+                <a:cs typeface="Courier New"/>
+              </a:rPr>
+              <a:t>gv</a:t>
+            </a:r>
+            <a:endParaRPr lang="en-US" dirty="0" smtClean="0">
+              <a:latin typeface="Courier New"/>
+              <a:cs typeface="Courier New"/>
+            </a:endParaRPr>
+          </a:p>
+          <a:p>
+            <a:pPr marL="0" indent="0">
+              <a:buNone/>
+            </a:pPr>
+            <a:r>
+              <a:rPr lang="en-US" dirty="0" smtClean="0">
+                <a:latin typeface="Courier New"/>
+                <a:cs typeface="Courier New"/>
+              </a:rPr>
+              <a:t>WHERE </a:t>
+            </a:r>
+            <a:r>
+              <a:rPr lang="en-US" dirty="0" err="1" smtClean="0">
+                <a:latin typeface="Courier New"/>
+                <a:cs typeface="Courier New"/>
+              </a:rPr>
+              <a:t>vars.chrom</a:t>
+            </a:r>
+            <a:r>
+              <a:rPr lang="en-US" dirty="0" smtClean="0">
+                <a:latin typeface="Courier New"/>
+                <a:cs typeface="Courier New"/>
+              </a:rPr>
+              <a:t> = </a:t>
+            </a:r>
+            <a:r>
+              <a:rPr lang="en-US" dirty="0" err="1" smtClean="0">
+                <a:latin typeface="Courier New"/>
+                <a:cs typeface="Courier New"/>
+              </a:rPr>
+              <a:t>gv.chrom</a:t>
+            </a:r>
+            <a:endParaRPr lang="en-US" dirty="0" smtClean="0">
+              <a:latin typeface="Courier New"/>
+              <a:cs typeface="Courier New"/>
+            </a:endParaRPr>
+          </a:p>
+          <a:p>
+            <a:pPr marL="0" indent="0">
+              <a:buNone/>
+            </a:pPr>
+            <a:r>
+              <a:rPr lang="en-US" dirty="0" smtClean="0">
+                <a:latin typeface="Courier New"/>
+                <a:cs typeface="Courier New"/>
+              </a:rPr>
+              <a:t>    AND </a:t>
+            </a:r>
+            <a:r>
+              <a:rPr lang="en-US" dirty="0" err="1" smtClean="0">
+                <a:latin typeface="Courier New"/>
+                <a:cs typeface="Courier New"/>
+              </a:rPr>
+              <a:t>vars.pos</a:t>
+            </a:r>
+            <a:r>
+              <a:rPr lang="en-US" dirty="0" smtClean="0">
+                <a:latin typeface="Courier New"/>
+                <a:cs typeface="Courier New"/>
+              </a:rPr>
+              <a:t> = </a:t>
+            </a:r>
+            <a:r>
+              <a:rPr lang="en-US" dirty="0" err="1" smtClean="0">
+                <a:latin typeface="Courier New"/>
+                <a:cs typeface="Courier New"/>
+              </a:rPr>
+              <a:t>gv.pos</a:t>
+            </a:r>
+            <a:endParaRPr lang="en-US" dirty="0" smtClean="0">
+              <a:latin typeface="Courier New"/>
+              <a:cs typeface="Courier New"/>
+            </a:endParaRPr>
+          </a:p>
+          <a:p>
+            <a:pPr marL="0" indent="0">
+              <a:buNone/>
+            </a:pPr>
+            <a:r>
+              <a:rPr lang="en-US" dirty="0" smtClean="0">
+                <a:latin typeface="Courier New"/>
+                <a:cs typeface="Courier New"/>
+              </a:rPr>
+              <a:t>    AND </a:t>
+            </a:r>
+            <a:r>
+              <a:rPr lang="en-US" dirty="0" err="1" smtClean="0">
+                <a:latin typeface="Courier New"/>
+                <a:cs typeface="Courier New"/>
+              </a:rPr>
+              <a:t>vars.ref</a:t>
+            </a:r>
+            <a:r>
+              <a:rPr lang="en-US" dirty="0" smtClean="0">
+                <a:latin typeface="Courier New"/>
+                <a:cs typeface="Courier New"/>
+              </a:rPr>
+              <a:t> = </a:t>
+            </a:r>
+            <a:r>
+              <a:rPr lang="en-US" dirty="0" err="1" smtClean="0">
+                <a:latin typeface="Courier New"/>
+                <a:cs typeface="Courier New"/>
+              </a:rPr>
+              <a:t>gv.ref</a:t>
+            </a:r>
+            <a:endParaRPr lang="en-US" dirty="0" smtClean="0">
+              <a:latin typeface="Courier New"/>
+              <a:cs typeface="Courier New"/>
+            </a:endParaRPr>
+          </a:p>
+          <a:p>
+            <a:pPr marL="0" indent="0">
+              <a:buNone/>
+            </a:pPr>
+            <a:r>
+              <a:rPr lang="en-US" dirty="0" smtClean="0">
+                <a:latin typeface="Courier New"/>
+                <a:cs typeface="Courier New"/>
+              </a:rPr>
+              <a:t>    AND </a:t>
+            </a:r>
+            <a:r>
+              <a:rPr lang="en-US" dirty="0" err="1" smtClean="0">
+                <a:latin typeface="Courier New"/>
+                <a:cs typeface="Courier New"/>
+              </a:rPr>
+              <a:t>vars.alt</a:t>
+            </a:r>
+            <a:r>
+              <a:rPr lang="en-US" dirty="0" smtClean="0">
+                <a:latin typeface="Courier New"/>
+                <a:cs typeface="Courier New"/>
+              </a:rPr>
+              <a:t> = </a:t>
+            </a:r>
+            <a:r>
+              <a:rPr lang="en-US" dirty="0" err="1" smtClean="0">
+                <a:latin typeface="Courier New"/>
+                <a:cs typeface="Courier New"/>
+              </a:rPr>
+              <a:t>gv.alt</a:t>
+            </a:r>
+            <a:endParaRPr lang="en-US" dirty="0" smtClean="0">
+              <a:latin typeface="Courier New"/>
+              <a:cs typeface="Courier New"/>
+            </a:endParaRPr>
+          </a:p>
+          <a:p>
+            <a:pPr marL="0" indent="0">
+              <a:buNone/>
+            </a:pPr>
+            <a:r>
+              <a:rPr lang="en-US" b="1" dirty="0" smtClean="0">
+                <a:latin typeface="Courier New"/>
+                <a:cs typeface="Courier New"/>
+              </a:rPr>
+              <a:t>    AND </a:t>
+            </a:r>
+            <a:r>
+              <a:rPr lang="en-US" b="1" dirty="0">
+                <a:latin typeface="Courier New"/>
+                <a:cs typeface="Courier New"/>
+              </a:rPr>
+              <a:t>(</a:t>
+            </a:r>
+            <a:r>
+              <a:rPr lang="en-US" b="1" dirty="0" err="1">
+                <a:latin typeface="Courier New"/>
+                <a:cs typeface="Courier New"/>
+              </a:rPr>
+              <a:t>clin_sig</a:t>
+            </a:r>
+            <a:r>
+              <a:rPr lang="en-US" b="1" dirty="0">
+                <a:latin typeface="Courier New"/>
+                <a:cs typeface="Courier New"/>
+              </a:rPr>
+              <a:t> NOT REGEXP '3|2[^5]|2$'</a:t>
+            </a:r>
+          </a:p>
+          <a:p>
+            <a:pPr marL="0" indent="0">
+              <a:buNone/>
+            </a:pPr>
+            <a:r>
+              <a:rPr lang="en-US" b="1" dirty="0" smtClean="0">
+                <a:latin typeface="Courier New"/>
+                <a:cs typeface="Courier New"/>
+              </a:rPr>
+              <a:t>    AND </a:t>
+            </a:r>
+            <a:r>
+              <a:rPr lang="en-US" b="1" dirty="0" err="1">
+                <a:latin typeface="Courier New"/>
+                <a:cs typeface="Courier New"/>
+              </a:rPr>
+              <a:t>clin_sig</a:t>
+            </a:r>
+            <a:r>
+              <a:rPr lang="en-US" b="1" dirty="0">
+                <a:latin typeface="Courier New"/>
+                <a:cs typeface="Courier New"/>
+              </a:rPr>
+              <a:t> REGEXP '4|[^25]5|^5')</a:t>
+            </a:r>
+            <a:endParaRPr lang="en-US" b="1" dirty="0" smtClean="0">
+              <a:latin typeface="Courier New"/>
+              <a:cs typeface="Courier New"/>
+            </a:endParaRPr>
+          </a:p>
+          <a:p>
+            <a:pPr marL="0" indent="0">
+              <a:buNone/>
+            </a:pPr>
+            <a:endParaRPr lang="en-US" dirty="0" smtClean="0">
+              <a:latin typeface="Courier New"/>
+              <a:cs typeface="Courier New"/>
+            </a:endParaRPr>
+          </a:p>
+          <a:p>
+            <a:pPr marL="0" indent="0">
+              <a:buNone/>
+            </a:pPr>
+            <a:endParaRPr lang="en-US" dirty="0"/>
+          </a:p>
+        </p:txBody>
+      </p:sp>
+    </p:spTree>
+    <p:extLst>
+      <p:ext uri="{BB962C8B-B14F-4D97-AF65-F5344CB8AC3E}">
+        <p14:creationId xmlns:p14="http://schemas.microsoft.com/office/powerpoint/2010/main" val="1618730788"/>
+      </p:ext>
+    </p:extLst>
+  </p:cSld>
+  <p:clrMapOvr>
+    <a:masterClrMapping/>
+  </p:clrMapOvr>
+</p:sld>
+</file>
+
+<file path=ppt/slides/slide24.xml><?xml version="1.0" encoding="utf-8"?>
+<p:sld xmlns:a="http://schemas.openxmlformats.org/drawingml/2006/main" xmlns:r="http://schemas.openxmlformats.org/officeDocument/2006/relationships" xmlns:p="http://schemas.openxmlformats.org/presentationml/2006/main">
+  <p:cSld>
+    <p:spTree>
+      <p:nvGrpSpPr>
+        <p:cNvPr id="1" name=""/>
+        <p:cNvGrpSpPr/>
+        <p:nvPr/>
+      </p:nvGrpSpPr>
+      <p:grpSpPr>
+        <a:xfrm>
+          <a:off x="0" y="0"/>
+          <a:ext cx="0" cy="0"/>
+          <a:chOff x="0" y="0"/>
+          <a:chExt cx="0" cy="0"/>
+        </a:xfrm>
+      </p:grpSpPr>
+      <p:sp>
+        <p:nvSpPr>
+          <p:cNvPr id="2" name="Title 1"/>
+          <p:cNvSpPr>
+            <a:spLocks noGrp="1"/>
+          </p:cNvSpPr>
+          <p:nvPr>
+            <p:ph type="title"/>
+          </p:nvPr>
+        </p:nvSpPr>
+        <p:spPr/>
+        <p:txBody>
+          <a:bodyPr/>
+          <a:lstStyle/>
+          <a:p>
+            <a:r>
+              <a:rPr lang="en-US" dirty="0" smtClean="0"/>
+              <a:t>Filter Variants</a:t>
+            </a:r>
+            <a:endParaRPr lang="en-US" dirty="0"/>
+          </a:p>
+        </p:txBody>
+      </p:sp>
+      <p:sp>
+        <p:nvSpPr>
+          <p:cNvPr id="3" name="Content Placeholder 2"/>
+          <p:cNvSpPr>
+            <a:spLocks noGrp="1"/>
+          </p:cNvSpPr>
+          <p:nvPr>
+            <p:ph idx="1"/>
+          </p:nvPr>
+        </p:nvSpPr>
+        <p:spPr/>
+        <p:txBody>
+          <a:bodyPr>
+            <a:normAutofit fontScale="40000" lnSpcReduction="20000"/>
+          </a:bodyPr>
+          <a:lstStyle/>
+          <a:p>
+            <a:pPr marL="0" indent="0">
+              <a:buNone/>
+            </a:pPr>
+            <a:r>
+              <a:rPr lang="en-US" dirty="0" smtClean="0"/>
+              <a:t>While we’re at it, we can also filter to get back variants that are either significant in </a:t>
+            </a:r>
+            <a:r>
+              <a:rPr lang="en-US" dirty="0" err="1" smtClean="0"/>
+              <a:t>ClinVar</a:t>
+            </a:r>
+            <a:r>
+              <a:rPr lang="en-US" dirty="0" smtClean="0"/>
+              <a:t> or are marked as rare in </a:t>
+            </a:r>
+            <a:r>
+              <a:rPr lang="en-US" dirty="0" err="1" smtClean="0"/>
+              <a:t>Kaviar</a:t>
+            </a:r>
+            <a:r>
+              <a:rPr lang="en-US" dirty="0" smtClean="0"/>
+              <a:t>, or so rare they’re not included in </a:t>
+            </a:r>
+            <a:r>
+              <a:rPr lang="en-US" dirty="0" err="1" smtClean="0"/>
+              <a:t>Kaviar</a:t>
+            </a:r>
+            <a:r>
+              <a:rPr lang="en-US" dirty="0" smtClean="0"/>
+              <a:t>. </a:t>
+            </a:r>
+          </a:p>
+          <a:p>
+            <a:pPr marL="0" indent="0">
+              <a:buNone/>
+            </a:pPr>
+            <a:endParaRPr lang="en-US" dirty="0" smtClean="0"/>
+          </a:p>
+          <a:p>
+            <a:pPr marL="0" indent="0">
+              <a:buNone/>
+            </a:pPr>
+            <a:r>
+              <a:rPr lang="en-US" dirty="0" smtClean="0">
+                <a:latin typeface="Courier New"/>
+                <a:cs typeface="Courier New"/>
+              </a:rPr>
+              <a:t>WITH </a:t>
+            </a:r>
+            <a:r>
+              <a:rPr lang="en-US" dirty="0" err="1" smtClean="0">
+                <a:latin typeface="Courier New"/>
+                <a:cs typeface="Courier New"/>
+              </a:rPr>
+              <a:t>vars</a:t>
+            </a:r>
+            <a:r>
+              <a:rPr lang="en-US" dirty="0" smtClean="0">
+                <a:latin typeface="Courier New"/>
+                <a:cs typeface="Courier New"/>
+              </a:rPr>
+              <a:t> as (</a:t>
+            </a:r>
+          </a:p>
+          <a:p>
+            <a:pPr marL="0" indent="0">
+              <a:buNone/>
+            </a:pPr>
+            <a:r>
+              <a:rPr lang="en-US" dirty="0" smtClean="0">
+                <a:latin typeface="Courier New"/>
+                <a:cs typeface="Courier New"/>
+              </a:rPr>
+              <a:t>SELECT *</a:t>
+            </a:r>
+          </a:p>
+          <a:p>
+            <a:pPr marL="0" indent="0">
+              <a:buNone/>
+            </a:pPr>
+            <a:r>
+              <a:rPr lang="en-US" dirty="0" smtClean="0">
+                <a:latin typeface="Courier New"/>
+                <a:cs typeface="Courier New"/>
+              </a:rPr>
+              <a:t>from </a:t>
+            </a:r>
+            <a:r>
+              <a:rPr lang="en-US" dirty="0" err="1" smtClean="0">
+                <a:latin typeface="Courier New"/>
+                <a:cs typeface="Courier New"/>
+              </a:rPr>
+              <a:t>training.illumina_vars</a:t>
+            </a:r>
+            <a:endParaRPr lang="en-US" dirty="0" smtClean="0">
+              <a:latin typeface="Courier New"/>
+              <a:cs typeface="Courier New"/>
+            </a:endParaRPr>
+          </a:p>
+          <a:p>
+            <a:pPr marL="0" indent="0">
+              <a:buNone/>
+            </a:pPr>
+            <a:r>
+              <a:rPr lang="en-US" dirty="0" smtClean="0">
+                <a:latin typeface="Courier New"/>
+                <a:cs typeface="Courier New"/>
+              </a:rPr>
+              <a:t>WHERE </a:t>
+            </a:r>
+            <a:r>
+              <a:rPr lang="en-US" dirty="0" err="1" smtClean="0">
+                <a:latin typeface="Courier New"/>
+                <a:cs typeface="Courier New"/>
+              </a:rPr>
+              <a:t>qual</a:t>
+            </a:r>
+            <a:r>
+              <a:rPr lang="en-US" dirty="0" smtClean="0">
+                <a:latin typeface="Courier New"/>
+                <a:cs typeface="Courier New"/>
+              </a:rPr>
+              <a:t> &gt; 1000</a:t>
+            </a:r>
+          </a:p>
+          <a:p>
+            <a:pPr marL="0" indent="0">
+              <a:buNone/>
+            </a:pPr>
+            <a:r>
+              <a:rPr lang="en-US" dirty="0" smtClean="0">
+                <a:latin typeface="Courier New"/>
+                <a:cs typeface="Courier New"/>
+              </a:rPr>
+              <a:t>AND filter = ‘PASS’</a:t>
+            </a:r>
+          </a:p>
+          <a:p>
+            <a:pPr marL="0" indent="0">
+              <a:buNone/>
+            </a:pPr>
+            <a:r>
+              <a:rPr lang="en-US" dirty="0" smtClean="0">
+                <a:latin typeface="Courier New"/>
+                <a:cs typeface="Courier New"/>
+              </a:rPr>
+              <a:t>)</a:t>
+            </a:r>
+          </a:p>
+          <a:p>
+            <a:pPr marL="0" indent="0">
+              <a:buNone/>
+            </a:pPr>
+            <a:r>
+              <a:rPr lang="en-US" dirty="0" smtClean="0">
+                <a:latin typeface="Courier New"/>
+                <a:cs typeface="Courier New"/>
+              </a:rPr>
+              <a:t>-- we want back everything from the </a:t>
+            </a:r>
+            <a:r>
+              <a:rPr lang="en-US" dirty="0" err="1" smtClean="0">
+                <a:latin typeface="Courier New"/>
+                <a:cs typeface="Courier New"/>
+              </a:rPr>
+              <a:t>vars</a:t>
+            </a:r>
+            <a:r>
+              <a:rPr lang="en-US" dirty="0" smtClean="0">
+                <a:latin typeface="Courier New"/>
+                <a:cs typeface="Courier New"/>
+              </a:rPr>
+              <a:t> t-table</a:t>
+            </a:r>
+          </a:p>
+          <a:p>
+            <a:pPr marL="0" indent="0">
+              <a:buNone/>
+            </a:pPr>
+            <a:r>
+              <a:rPr lang="en-US" dirty="0" smtClean="0">
+                <a:latin typeface="Courier New"/>
+                <a:cs typeface="Courier New"/>
+              </a:rPr>
+              <a:t>-- we want back just the annotations from </a:t>
+            </a:r>
+            <a:r>
+              <a:rPr lang="en-US" dirty="0" err="1" smtClean="0">
+                <a:latin typeface="Courier New"/>
+                <a:cs typeface="Courier New"/>
+              </a:rPr>
+              <a:t>global_vars</a:t>
+            </a:r>
+            <a:endParaRPr lang="en-US" dirty="0">
+              <a:latin typeface="Courier New"/>
+              <a:cs typeface="Courier New"/>
+            </a:endParaRPr>
+          </a:p>
+          <a:p>
+            <a:pPr marL="0" indent="0">
+              <a:buNone/>
+            </a:pPr>
+            <a:r>
+              <a:rPr lang="en-US" dirty="0" smtClean="0">
+                <a:latin typeface="Courier New"/>
+                <a:cs typeface="Courier New"/>
+              </a:rPr>
+              <a:t>SELECT vars.*, </a:t>
+            </a:r>
+            <a:r>
+              <a:rPr lang="en-US" dirty="0" err="1" smtClean="0">
+                <a:latin typeface="Courier New"/>
+                <a:cs typeface="Courier New"/>
+              </a:rPr>
+              <a:t>gv.strand</a:t>
+            </a:r>
+            <a:r>
+              <a:rPr lang="en-US" dirty="0" smtClean="0">
+                <a:latin typeface="Courier New"/>
+                <a:cs typeface="Courier New"/>
+              </a:rPr>
+              <a:t>, </a:t>
+            </a:r>
+            <a:r>
+              <a:rPr lang="en-US" dirty="0" err="1" smtClean="0">
+                <a:latin typeface="Courier New"/>
+                <a:cs typeface="Courier New"/>
+              </a:rPr>
+              <a:t>gv.gene_name</a:t>
+            </a:r>
+            <a:r>
+              <a:rPr lang="en-US" dirty="0" smtClean="0">
+                <a:latin typeface="Courier New"/>
+                <a:cs typeface="Courier New"/>
+              </a:rPr>
+              <a:t>, </a:t>
+            </a:r>
+            <a:r>
+              <a:rPr lang="en-US" dirty="0" err="1" smtClean="0">
+                <a:latin typeface="Courier New"/>
+                <a:cs typeface="Courier New"/>
+              </a:rPr>
+              <a:t>gv.gene_id</a:t>
+            </a:r>
+            <a:r>
+              <a:rPr lang="en-US" dirty="0" smtClean="0">
+                <a:latin typeface="Courier New"/>
+                <a:cs typeface="Courier New"/>
+              </a:rPr>
+              <a:t>, </a:t>
+            </a:r>
+            <a:r>
+              <a:rPr lang="en-US" dirty="0" err="1" smtClean="0">
+                <a:latin typeface="Courier New"/>
+                <a:cs typeface="Courier New"/>
+              </a:rPr>
+              <a:t>gv.transcript_name</a:t>
+            </a:r>
+            <a:r>
+              <a:rPr lang="en-US" dirty="0" smtClean="0">
+                <a:latin typeface="Courier New"/>
+                <a:cs typeface="Courier New"/>
+              </a:rPr>
+              <a:t>, </a:t>
+            </a:r>
+            <a:r>
+              <a:rPr lang="en-US" dirty="0" err="1" smtClean="0">
+                <a:latin typeface="Courier New"/>
+                <a:cs typeface="Courier New"/>
+              </a:rPr>
+              <a:t>gv.transcript_id</a:t>
+            </a:r>
+            <a:r>
+              <a:rPr lang="en-US" dirty="0" smtClean="0">
+                <a:latin typeface="Courier New"/>
+                <a:cs typeface="Courier New"/>
+              </a:rPr>
+              <a:t>, </a:t>
+            </a:r>
+            <a:r>
+              <a:rPr lang="en-US" dirty="0" err="1" smtClean="0">
+                <a:latin typeface="Courier New"/>
+                <a:cs typeface="Courier New"/>
+              </a:rPr>
+              <a:t>gv.clin_sig</a:t>
+            </a:r>
+            <a:r>
+              <a:rPr lang="en-US" dirty="0" smtClean="0">
+                <a:latin typeface="Courier New"/>
+                <a:cs typeface="Courier New"/>
+              </a:rPr>
+              <a:t>,</a:t>
+            </a:r>
+          </a:p>
+          <a:p>
+            <a:pPr marL="0" indent="0">
+              <a:buNone/>
+            </a:pPr>
+            <a:r>
+              <a:rPr lang="en-US" dirty="0" smtClean="0">
+                <a:latin typeface="Courier New"/>
+                <a:cs typeface="Courier New"/>
+              </a:rPr>
+              <a:t>   </a:t>
+            </a:r>
+            <a:r>
+              <a:rPr lang="en-US" dirty="0" err="1" smtClean="0">
+                <a:latin typeface="Courier New"/>
+                <a:cs typeface="Courier New"/>
+              </a:rPr>
+              <a:t>gv.clin_dbn</a:t>
+            </a:r>
+            <a:r>
+              <a:rPr lang="en-US" dirty="0" smtClean="0">
+                <a:latin typeface="Courier New"/>
+                <a:cs typeface="Courier New"/>
+              </a:rPr>
+              <a:t>, </a:t>
+            </a:r>
+            <a:r>
+              <a:rPr lang="en-US" dirty="0" err="1" smtClean="0">
+                <a:latin typeface="Courier New"/>
+                <a:cs typeface="Courier New"/>
+              </a:rPr>
+              <a:t>gv.kav_freq</a:t>
+            </a:r>
+            <a:r>
+              <a:rPr lang="en-US" dirty="0" smtClean="0">
+                <a:latin typeface="Courier New"/>
+                <a:cs typeface="Courier New"/>
+              </a:rPr>
+              <a:t>, </a:t>
+            </a:r>
+            <a:r>
+              <a:rPr lang="en-US" dirty="0" err="1" smtClean="0">
+                <a:latin typeface="Courier New"/>
+                <a:cs typeface="Courier New"/>
+              </a:rPr>
+              <a:t>gv.kav_source</a:t>
+            </a:r>
+            <a:r>
+              <a:rPr lang="en-US" dirty="0" smtClean="0">
+                <a:latin typeface="Courier New"/>
+                <a:cs typeface="Courier New"/>
+              </a:rPr>
+              <a:t>, </a:t>
+            </a:r>
+            <a:r>
+              <a:rPr lang="en-US" dirty="0" err="1" smtClean="0">
+                <a:latin typeface="Courier New"/>
+                <a:cs typeface="Courier New"/>
+              </a:rPr>
+              <a:t>gv.dbsnp_build</a:t>
+            </a:r>
+            <a:r>
+              <a:rPr lang="en-US" dirty="0" smtClean="0">
+                <a:latin typeface="Courier New"/>
+                <a:cs typeface="Courier New"/>
+              </a:rPr>
+              <a:t>, </a:t>
+            </a:r>
+            <a:r>
+              <a:rPr lang="en-US" dirty="0" err="1" smtClean="0">
+                <a:latin typeface="Courier New"/>
+                <a:cs typeface="Courier New"/>
+              </a:rPr>
+              <a:t>gv.var_type</a:t>
+            </a:r>
+            <a:r>
+              <a:rPr lang="en-US" dirty="0" smtClean="0">
+                <a:latin typeface="Courier New"/>
+                <a:cs typeface="Courier New"/>
+              </a:rPr>
+              <a:t>, </a:t>
+            </a:r>
+            <a:r>
+              <a:rPr lang="en-US" dirty="0" err="1" smtClean="0">
+                <a:latin typeface="Courier New"/>
+                <a:cs typeface="Courier New"/>
+              </a:rPr>
+              <a:t>gv.cadd_raw</a:t>
+            </a:r>
+            <a:r>
+              <a:rPr lang="en-US" dirty="0" smtClean="0">
+                <a:latin typeface="Courier New"/>
+                <a:cs typeface="Courier New"/>
+              </a:rPr>
+              <a:t>, </a:t>
+            </a:r>
+            <a:r>
+              <a:rPr lang="en-US" dirty="0" err="1" smtClean="0">
+                <a:latin typeface="Courier New"/>
+                <a:cs typeface="Courier New"/>
+              </a:rPr>
+              <a:t>gv.dann_score</a:t>
+            </a:r>
+            <a:r>
+              <a:rPr lang="en-US" dirty="0" smtClean="0">
+                <a:latin typeface="Courier New"/>
+                <a:cs typeface="Courier New"/>
+              </a:rPr>
+              <a:t>,  </a:t>
+            </a:r>
+          </a:p>
+          <a:p>
+            <a:pPr marL="0" indent="0">
+              <a:buNone/>
+            </a:pPr>
+            <a:r>
+              <a:rPr lang="en-US" dirty="0">
+                <a:latin typeface="Courier New"/>
+                <a:cs typeface="Courier New"/>
+              </a:rPr>
+              <a:t> </a:t>
+            </a:r>
+            <a:r>
+              <a:rPr lang="en-US" dirty="0" smtClean="0">
+                <a:latin typeface="Courier New"/>
+                <a:cs typeface="Courier New"/>
+              </a:rPr>
+              <a:t>  </a:t>
+            </a:r>
+            <a:r>
+              <a:rPr lang="en-US" dirty="0" err="1" smtClean="0">
+                <a:latin typeface="Courier New"/>
+                <a:cs typeface="Courier New"/>
+              </a:rPr>
+              <a:t>gv.interpro_domain</a:t>
+            </a:r>
+            <a:endParaRPr lang="en-US" dirty="0" smtClean="0">
+              <a:latin typeface="Courier New"/>
+              <a:cs typeface="Courier New"/>
+            </a:endParaRPr>
+          </a:p>
+          <a:p>
+            <a:pPr marL="0" indent="0">
+              <a:buNone/>
+            </a:pPr>
+            <a:r>
+              <a:rPr lang="en-US" dirty="0" smtClean="0">
+                <a:latin typeface="Courier New"/>
+                <a:cs typeface="Courier New"/>
+              </a:rPr>
+              <a:t>FROM </a:t>
+            </a:r>
+            <a:r>
+              <a:rPr lang="en-US" dirty="0" err="1" smtClean="0">
+                <a:latin typeface="Courier New"/>
+                <a:cs typeface="Courier New"/>
+              </a:rPr>
+              <a:t>vars</a:t>
+            </a:r>
+            <a:r>
+              <a:rPr lang="en-US" dirty="0" smtClean="0">
+                <a:latin typeface="Courier New"/>
+                <a:cs typeface="Courier New"/>
+              </a:rPr>
+              <a:t>, </a:t>
+            </a:r>
+            <a:r>
+              <a:rPr lang="en-US" dirty="0" err="1" smtClean="0">
+                <a:latin typeface="Courier New"/>
+                <a:cs typeface="Courier New"/>
+              </a:rPr>
+              <a:t>training.global_vars</a:t>
+            </a:r>
+            <a:r>
+              <a:rPr lang="en-US" dirty="0" smtClean="0">
+                <a:latin typeface="Courier New"/>
+                <a:cs typeface="Courier New"/>
+              </a:rPr>
+              <a:t> as </a:t>
+            </a:r>
+            <a:r>
+              <a:rPr lang="en-US" dirty="0" err="1" smtClean="0">
+                <a:latin typeface="Courier New"/>
+                <a:cs typeface="Courier New"/>
+              </a:rPr>
+              <a:t>gv</a:t>
+            </a:r>
+            <a:endParaRPr lang="en-US" dirty="0" smtClean="0">
+              <a:latin typeface="Courier New"/>
+              <a:cs typeface="Courier New"/>
+            </a:endParaRPr>
+          </a:p>
+          <a:p>
+            <a:pPr marL="0" indent="0">
+              <a:buNone/>
+            </a:pPr>
+            <a:r>
+              <a:rPr lang="en-US" dirty="0" smtClean="0">
+                <a:latin typeface="Courier New"/>
+                <a:cs typeface="Courier New"/>
+              </a:rPr>
+              <a:t>WHERE </a:t>
+            </a:r>
+            <a:r>
+              <a:rPr lang="en-US" dirty="0" err="1" smtClean="0">
+                <a:latin typeface="Courier New"/>
+                <a:cs typeface="Courier New"/>
+              </a:rPr>
+              <a:t>vars.chrom</a:t>
+            </a:r>
+            <a:r>
+              <a:rPr lang="en-US" dirty="0" smtClean="0">
+                <a:latin typeface="Courier New"/>
+                <a:cs typeface="Courier New"/>
+              </a:rPr>
+              <a:t> = </a:t>
+            </a:r>
+            <a:r>
+              <a:rPr lang="en-US" dirty="0" err="1" smtClean="0">
+                <a:latin typeface="Courier New"/>
+                <a:cs typeface="Courier New"/>
+              </a:rPr>
+              <a:t>gv.chrom</a:t>
+            </a:r>
+            <a:endParaRPr lang="en-US" dirty="0" smtClean="0">
+              <a:latin typeface="Courier New"/>
+              <a:cs typeface="Courier New"/>
+            </a:endParaRPr>
+          </a:p>
+          <a:p>
+            <a:pPr marL="0" indent="0">
+              <a:buNone/>
+            </a:pPr>
+            <a:r>
+              <a:rPr lang="en-US" dirty="0" smtClean="0">
+                <a:latin typeface="Courier New"/>
+                <a:cs typeface="Courier New"/>
+              </a:rPr>
+              <a:t>    AND </a:t>
+            </a:r>
+            <a:r>
+              <a:rPr lang="en-US" dirty="0" err="1" smtClean="0">
+                <a:latin typeface="Courier New"/>
+                <a:cs typeface="Courier New"/>
+              </a:rPr>
+              <a:t>vars.pos</a:t>
+            </a:r>
+            <a:r>
+              <a:rPr lang="en-US" dirty="0" smtClean="0">
+                <a:latin typeface="Courier New"/>
+                <a:cs typeface="Courier New"/>
+              </a:rPr>
+              <a:t> = </a:t>
+            </a:r>
+            <a:r>
+              <a:rPr lang="en-US" dirty="0" err="1" smtClean="0">
+                <a:latin typeface="Courier New"/>
+                <a:cs typeface="Courier New"/>
+              </a:rPr>
+              <a:t>gv.pos</a:t>
+            </a:r>
+            <a:endParaRPr lang="en-US" dirty="0" smtClean="0">
+              <a:latin typeface="Courier New"/>
+              <a:cs typeface="Courier New"/>
+            </a:endParaRPr>
+          </a:p>
+          <a:p>
+            <a:pPr marL="0" indent="0">
+              <a:buNone/>
+            </a:pPr>
+            <a:r>
+              <a:rPr lang="en-US" dirty="0" smtClean="0">
+                <a:latin typeface="Courier New"/>
+                <a:cs typeface="Courier New"/>
+              </a:rPr>
+              <a:t>    AND </a:t>
+            </a:r>
+            <a:r>
+              <a:rPr lang="en-US" dirty="0" err="1" smtClean="0">
+                <a:latin typeface="Courier New"/>
+                <a:cs typeface="Courier New"/>
+              </a:rPr>
+              <a:t>vars.ref</a:t>
+            </a:r>
+            <a:r>
+              <a:rPr lang="en-US" dirty="0" smtClean="0">
+                <a:latin typeface="Courier New"/>
+                <a:cs typeface="Courier New"/>
+              </a:rPr>
+              <a:t> = </a:t>
+            </a:r>
+            <a:r>
+              <a:rPr lang="en-US" dirty="0" err="1" smtClean="0">
+                <a:latin typeface="Courier New"/>
+                <a:cs typeface="Courier New"/>
+              </a:rPr>
+              <a:t>gv.ref</a:t>
+            </a:r>
+            <a:endParaRPr lang="en-US" dirty="0" smtClean="0">
+              <a:latin typeface="Courier New"/>
+              <a:cs typeface="Courier New"/>
+            </a:endParaRPr>
+          </a:p>
+          <a:p>
+            <a:pPr marL="0" indent="0">
+              <a:buNone/>
+            </a:pPr>
+            <a:r>
+              <a:rPr lang="en-US" dirty="0" smtClean="0">
+                <a:latin typeface="Courier New"/>
+                <a:cs typeface="Courier New"/>
+              </a:rPr>
+              <a:t>    AND </a:t>
+            </a:r>
+            <a:r>
+              <a:rPr lang="en-US" dirty="0" err="1" smtClean="0">
+                <a:latin typeface="Courier New"/>
+                <a:cs typeface="Courier New"/>
+              </a:rPr>
+              <a:t>vars.alt</a:t>
+            </a:r>
+            <a:r>
+              <a:rPr lang="en-US" dirty="0" smtClean="0">
+                <a:latin typeface="Courier New"/>
+                <a:cs typeface="Courier New"/>
+              </a:rPr>
+              <a:t> = </a:t>
+            </a:r>
+            <a:r>
+              <a:rPr lang="en-US" dirty="0" err="1" smtClean="0">
+                <a:latin typeface="Courier New"/>
+                <a:cs typeface="Courier New"/>
+              </a:rPr>
+              <a:t>gv.alt</a:t>
+            </a:r>
+            <a:endParaRPr lang="en-US" dirty="0" smtClean="0">
+              <a:latin typeface="Courier New"/>
+              <a:cs typeface="Courier New"/>
+            </a:endParaRPr>
+          </a:p>
+          <a:p>
+            <a:pPr marL="0" indent="0">
+              <a:buNone/>
+            </a:pPr>
+            <a:r>
+              <a:rPr lang="en-US" b="1" dirty="0" smtClean="0">
+                <a:latin typeface="Courier New"/>
+                <a:cs typeface="Courier New"/>
+              </a:rPr>
+              <a:t>    AND ((</a:t>
+            </a:r>
+            <a:r>
+              <a:rPr lang="en-US" b="1" dirty="0" err="1" smtClean="0">
+                <a:latin typeface="Courier New"/>
+                <a:cs typeface="Courier New"/>
+              </a:rPr>
+              <a:t>gv.clin_sig</a:t>
+            </a:r>
+            <a:r>
+              <a:rPr lang="en-US" b="1" dirty="0" smtClean="0">
+                <a:latin typeface="Courier New"/>
+                <a:cs typeface="Courier New"/>
+              </a:rPr>
+              <a:t> </a:t>
+            </a:r>
+            <a:r>
+              <a:rPr lang="en-US" b="1" dirty="0">
+                <a:latin typeface="Courier New"/>
+                <a:cs typeface="Courier New"/>
+              </a:rPr>
+              <a:t>NOT REGEXP '3|2[^5]|2</a:t>
+            </a:r>
+            <a:r>
+              <a:rPr lang="en-US" b="1" dirty="0" smtClean="0">
+                <a:latin typeface="Courier New"/>
+                <a:cs typeface="Courier New"/>
+              </a:rPr>
+              <a:t>$‘ AND </a:t>
+            </a:r>
+            <a:r>
+              <a:rPr lang="en-US" b="1" dirty="0" err="1" smtClean="0">
+                <a:latin typeface="Courier New"/>
+                <a:cs typeface="Courier New"/>
+              </a:rPr>
+              <a:t>gv.clin_sig</a:t>
+            </a:r>
+            <a:r>
+              <a:rPr lang="en-US" b="1" dirty="0" smtClean="0">
+                <a:latin typeface="Courier New"/>
+                <a:cs typeface="Courier New"/>
+              </a:rPr>
+              <a:t> </a:t>
+            </a:r>
+            <a:r>
+              <a:rPr lang="en-US" b="1" dirty="0">
+                <a:latin typeface="Courier New"/>
+                <a:cs typeface="Courier New"/>
+              </a:rPr>
+              <a:t>REGEXP '4|[^25]5|^5</a:t>
+            </a:r>
+            <a:r>
+              <a:rPr lang="en-US" b="1" dirty="0" smtClean="0">
+                <a:latin typeface="Courier New"/>
+                <a:cs typeface="Courier New"/>
+              </a:rPr>
+              <a:t>') OR (</a:t>
+            </a:r>
+            <a:r>
+              <a:rPr lang="en-US" b="1" dirty="0" err="1" smtClean="0">
+                <a:latin typeface="Courier New"/>
+                <a:cs typeface="Courier New"/>
+              </a:rPr>
+              <a:t>gv.kav_freq</a:t>
+            </a:r>
+            <a:r>
+              <a:rPr lang="en-US" b="1" dirty="0" smtClean="0">
+                <a:latin typeface="Courier New"/>
+                <a:cs typeface="Courier New"/>
+              </a:rPr>
+              <a:t> &lt; .03 or </a:t>
+            </a:r>
+          </a:p>
+          <a:p>
+            <a:pPr marL="0" indent="0">
+              <a:buNone/>
+            </a:pPr>
+            <a:r>
+              <a:rPr lang="en-US" b="1" dirty="0">
+                <a:latin typeface="Courier New"/>
+                <a:cs typeface="Courier New"/>
+              </a:rPr>
+              <a:t> </a:t>
+            </a:r>
+            <a:r>
+              <a:rPr lang="en-US" b="1" dirty="0" smtClean="0">
+                <a:latin typeface="Courier New"/>
+                <a:cs typeface="Courier New"/>
+              </a:rPr>
+              <a:t>         </a:t>
+            </a:r>
+            <a:r>
+              <a:rPr lang="en-US" b="1" dirty="0" err="1" smtClean="0">
+                <a:latin typeface="Courier New"/>
+                <a:cs typeface="Courier New"/>
+              </a:rPr>
+              <a:t>gv.kav_freq</a:t>
+            </a:r>
+            <a:r>
+              <a:rPr lang="en-US" b="1" dirty="0" smtClean="0">
+                <a:latin typeface="Courier New"/>
+                <a:cs typeface="Courier New"/>
+              </a:rPr>
+              <a:t> IS NULL))</a:t>
+            </a:r>
+          </a:p>
+          <a:p>
+            <a:pPr marL="0" indent="0">
+              <a:buNone/>
+            </a:pPr>
+            <a:endParaRPr lang="en-US" dirty="0" smtClean="0">
+              <a:latin typeface="Courier New"/>
+              <a:cs typeface="Courier New"/>
+            </a:endParaRPr>
+          </a:p>
+          <a:p>
+            <a:pPr marL="0" indent="0">
+              <a:buNone/>
+            </a:pPr>
+            <a:endParaRPr lang="en-US" dirty="0"/>
+          </a:p>
+        </p:txBody>
+      </p:sp>
+    </p:spTree>
+    <p:extLst>
+      <p:ext uri="{BB962C8B-B14F-4D97-AF65-F5344CB8AC3E}">
+        <p14:creationId xmlns:p14="http://schemas.microsoft.com/office/powerpoint/2010/main" val="1311960963"/>
+      </p:ext>
+    </p:extLst>
+  </p:cSld>
+  <p:clrMapOvr>
+    <a:masterClrMapping/>
+  </p:clrMapOvr>
 </p:sld>
 </file>
 
